--- a/ETL Project - CHAMPS.pptx
+++ b/ETL Project - CHAMPS.pptx
@@ -110,7 +110,41 @@
       </a:defRPr>
     </a:lvl9pPr>
   </p:defaultTextStyle>
+  <p:extLst>
+    <p:ext uri="{EFAFB233-063F-42B5-8137-9DF3F51BA10A}">
+      <p15:sldGuideLst xmlns:p15="http://schemas.microsoft.com/office/powerpoint/2012/main"/>
+    </p:ext>
+  </p:extLst>
 </p:presentation>
+</file>
+
+<file path=ppt/changesInfos/changesInfo1.xml><?xml version="1.0" encoding="utf-8"?>
+<pc:chgInfo xmlns:a="http://schemas.openxmlformats.org/drawingml/2006/main" xmlns:r="http://schemas.openxmlformats.org/officeDocument/2006/relationships" xmlns:ac="http://schemas.microsoft.com/office/drawing/2013/main/command" xmlns:pc="http://schemas.microsoft.com/office/powerpoint/2013/main/command">
+  <pc:docChgLst>
+    <pc:chgData name="Craig Hall" userId="83e013f9-570f-4443-9159-e4af494bc6db" providerId="ADAL" clId="{F1CB31A8-1D47-4906-8B64-8E98803AD6BA}"/>
+    <pc:docChg chg="modSld">
+      <pc:chgData name="Craig Hall" userId="83e013f9-570f-4443-9159-e4af494bc6db" providerId="ADAL" clId="{F1CB31A8-1D47-4906-8B64-8E98803AD6BA}" dt="2020-01-14T17:57:57.505" v="5" actId="20577"/>
+      <pc:docMkLst>
+        <pc:docMk/>
+      </pc:docMkLst>
+      <pc:sldChg chg="modSp">
+        <pc:chgData name="Craig Hall" userId="83e013f9-570f-4443-9159-e4af494bc6db" providerId="ADAL" clId="{F1CB31A8-1D47-4906-8B64-8E98803AD6BA}" dt="2020-01-14T17:57:57.505" v="5" actId="20577"/>
+        <pc:sldMkLst>
+          <pc:docMk/>
+          <pc:sldMk cId="2817863827" sldId="256"/>
+        </pc:sldMkLst>
+        <pc:spChg chg="mod">
+          <ac:chgData name="Craig Hall" userId="83e013f9-570f-4443-9159-e4af494bc6db" providerId="ADAL" clId="{F1CB31A8-1D47-4906-8B64-8E98803AD6BA}" dt="2020-01-14T17:57:57.505" v="5" actId="20577"/>
+          <ac:spMkLst>
+            <pc:docMk/>
+            <pc:sldMk cId="2817863827" sldId="256"/>
+            <ac:spMk id="29" creationId="{31A0781E-7FFA-4731-812C-D5A337FE0881}"/>
+          </ac:spMkLst>
+        </pc:spChg>
+      </pc:sldChg>
+    </pc:docChg>
+  </pc:docChgLst>
+</pc:chgInfo>
 </file>
 
 <file path=ppt/slideLayouts/slideLayout1.xml><?xml version="1.0" encoding="utf-8"?>
@@ -244,7 +278,7 @@
           <a:p>
             <a:fld id="{AD196480-F0D9-44F8-BC66-32B47A877762}" type="datetimeFigureOut">
               <a:rPr lang="en-US" smtClean="0"/>
-              <a:t>1/13/2020</a:t>
+              <a:t>1/14/2020</a:t>
             </a:fld>
             <a:endParaRPr lang="en-US"/>
           </a:p>
@@ -414,7 +448,7 @@
           <a:p>
             <a:fld id="{AD196480-F0D9-44F8-BC66-32B47A877762}" type="datetimeFigureOut">
               <a:rPr lang="en-US" smtClean="0"/>
-              <a:t>1/13/2020</a:t>
+              <a:t>1/14/2020</a:t>
             </a:fld>
             <a:endParaRPr lang="en-US"/>
           </a:p>
@@ -594,7 +628,7 @@
           <a:p>
             <a:fld id="{AD196480-F0D9-44F8-BC66-32B47A877762}" type="datetimeFigureOut">
               <a:rPr lang="en-US" smtClean="0"/>
-              <a:t>1/13/2020</a:t>
+              <a:t>1/14/2020</a:t>
             </a:fld>
             <a:endParaRPr lang="en-US"/>
           </a:p>
@@ -764,7 +798,7 @@
           <a:p>
             <a:fld id="{AD196480-F0D9-44F8-BC66-32B47A877762}" type="datetimeFigureOut">
               <a:rPr lang="en-US" smtClean="0"/>
-              <a:t>1/13/2020</a:t>
+              <a:t>1/14/2020</a:t>
             </a:fld>
             <a:endParaRPr lang="en-US"/>
           </a:p>
@@ -1008,7 +1042,7 @@
           <a:p>
             <a:fld id="{AD196480-F0D9-44F8-BC66-32B47A877762}" type="datetimeFigureOut">
               <a:rPr lang="en-US" smtClean="0"/>
-              <a:t>1/13/2020</a:t>
+              <a:t>1/14/2020</a:t>
             </a:fld>
             <a:endParaRPr lang="en-US"/>
           </a:p>
@@ -1240,7 +1274,7 @@
           <a:p>
             <a:fld id="{AD196480-F0D9-44F8-BC66-32B47A877762}" type="datetimeFigureOut">
               <a:rPr lang="en-US" smtClean="0"/>
-              <a:t>1/13/2020</a:t>
+              <a:t>1/14/2020</a:t>
             </a:fld>
             <a:endParaRPr lang="en-US"/>
           </a:p>
@@ -1607,7 +1641,7 @@
           <a:p>
             <a:fld id="{AD196480-F0D9-44F8-BC66-32B47A877762}" type="datetimeFigureOut">
               <a:rPr lang="en-US" smtClean="0"/>
-              <a:t>1/13/2020</a:t>
+              <a:t>1/14/2020</a:t>
             </a:fld>
             <a:endParaRPr lang="en-US"/>
           </a:p>
@@ -1725,7 +1759,7 @@
           <a:p>
             <a:fld id="{AD196480-F0D9-44F8-BC66-32B47A877762}" type="datetimeFigureOut">
               <a:rPr lang="en-US" smtClean="0"/>
-              <a:t>1/13/2020</a:t>
+              <a:t>1/14/2020</a:t>
             </a:fld>
             <a:endParaRPr lang="en-US"/>
           </a:p>
@@ -1820,7 +1854,7 @@
           <a:p>
             <a:fld id="{AD196480-F0D9-44F8-BC66-32B47A877762}" type="datetimeFigureOut">
               <a:rPr lang="en-US" smtClean="0"/>
-              <a:t>1/13/2020</a:t>
+              <a:t>1/14/2020</a:t>
             </a:fld>
             <a:endParaRPr lang="en-US"/>
           </a:p>
@@ -2097,7 +2131,7 @@
           <a:p>
             <a:fld id="{AD196480-F0D9-44F8-BC66-32B47A877762}" type="datetimeFigureOut">
               <a:rPr lang="en-US" smtClean="0"/>
-              <a:t>1/13/2020</a:t>
+              <a:t>1/14/2020</a:t>
             </a:fld>
             <a:endParaRPr lang="en-US"/>
           </a:p>
@@ -2354,7 +2388,7 @@
           <a:p>
             <a:fld id="{AD196480-F0D9-44F8-BC66-32B47A877762}" type="datetimeFigureOut">
               <a:rPr lang="en-US" smtClean="0"/>
-              <a:t>1/13/2020</a:t>
+              <a:t>1/14/2020</a:t>
             </a:fld>
             <a:endParaRPr lang="en-US"/>
           </a:p>
@@ -2567,7 +2601,7 @@
           <a:p>
             <a:fld id="{AD196480-F0D9-44F8-BC66-32B47A877762}" type="datetimeFigureOut">
               <a:rPr lang="en-US" smtClean="0"/>
-              <a:t>1/13/2020</a:t>
+              <a:t>1/14/2020</a:t>
             </a:fld>
             <a:endParaRPr lang="en-US"/>
           </a:p>
@@ -4770,7 +4804,7 @@
                 <a:ea typeface="+mj-ea"/>
                 <a:cs typeface="+mj-cs"/>
               </a:rPr>
-              <a:t>Monica Alarcon, Abraham ____, Craig Hall</a:t>
+              <a:t>Monica Alarcon, Abraham Benaim, Craig Hall</a:t>
             </a:r>
           </a:p>
         </p:txBody>
@@ -6706,6 +6740,21 @@
 </file>
 
 <file path=customXml/item1.xml><?xml version="1.0" encoding="utf-8"?>
+<p:properties xmlns:p="http://schemas.microsoft.com/office/2006/metadata/properties" xmlns:xsi="http://www.w3.org/2001/XMLSchema-instance" xmlns:pc="http://schemas.microsoft.com/office/infopath/2007/PartnerControls">
+  <documentManagement/>
+</p:properties>
+</file>
+
+<file path=customXml/item2.xml><?xml version="1.0" encoding="utf-8"?>
+<?mso-contentType ?>
+<FormTemplates xmlns="http://schemas.microsoft.com/sharepoint/v3/contenttype/forms">
+  <Display>DocumentLibraryForm</Display>
+  <Edit>DocumentLibraryForm</Edit>
+  <New>DocumentLibraryForm</New>
+</FormTemplates>
+</file>
+
+<file path=customXml/item3.xml><?xml version="1.0" encoding="utf-8"?>
 <ct:contentTypeSchema xmlns:ct="http://schemas.microsoft.com/office/2006/metadata/contentType" xmlns:ma="http://schemas.microsoft.com/office/2006/metadata/properties/metaAttributes" ct:_="" ma:_="" ma:contentTypeName="Document" ma:contentTypeID="0x010100929DD452BECA1B43872CA276574927B3" ma:contentTypeVersion="15" ma:contentTypeDescription="Create a new document." ma:contentTypeScope="" ma:versionID="e61aed47ff86a9431b4237a014694ac2">
   <xsd:schema xmlns:xsd="http://www.w3.org/2001/XMLSchema" xmlns:xs="http://www.w3.org/2001/XMLSchema" xmlns:p="http://schemas.microsoft.com/office/2006/metadata/properties" xmlns:ns3="c8d41a52-0429-44d3-941d-5f8a8f3627d7" xmlns:ns4="79febee5-f550-440a-a0d4-3bec8d62d666" targetNamespace="http://schemas.microsoft.com/office/2006/metadata/properties" ma:root="true" ma:fieldsID="564791f59b6f61cdc32a9a538098ac62" ns3:_="" ns4:_="">
     <xsd:import namespace="c8d41a52-0429-44d3-941d-5f8a8f3627d7"/>
@@ -6942,22 +6991,24 @@
 </ct:contentTypeSchema>
 </file>
 
-<file path=customXml/item2.xml><?xml version="1.0" encoding="utf-8"?>
-<?mso-contentType ?>
-<FormTemplates xmlns="http://schemas.microsoft.com/sharepoint/v3/contenttype/forms">
-  <Display>DocumentLibraryForm</Display>
-  <Edit>DocumentLibraryForm</Edit>
-  <New>DocumentLibraryForm</New>
-</FormTemplates>
+<file path=customXml/itemProps1.xml><?xml version="1.0" encoding="utf-8"?>
+<ds:datastoreItem xmlns:ds="http://schemas.openxmlformats.org/officeDocument/2006/customXml" ds:itemID="{009F48BC-210D-4C7E-BF34-865E161B83EC}">
+  <ds:schemaRefs>
+    <ds:schemaRef ds:uri="http://schemas.microsoft.com/office/2006/metadata/properties"/>
+    <ds:schemaRef ds:uri="http://schemas.microsoft.com/office/infopath/2007/PartnerControls"/>
+  </ds:schemaRefs>
+</ds:datastoreItem>
 </file>
 
-<file path=customXml/item3.xml><?xml version="1.0" encoding="utf-8"?>
-<p:properties xmlns:p="http://schemas.microsoft.com/office/2006/metadata/properties" xmlns:xsi="http://www.w3.org/2001/XMLSchema-instance" xmlns:pc="http://schemas.microsoft.com/office/infopath/2007/PartnerControls">
-  <documentManagement/>
-</p:properties>
+<file path=customXml/itemProps2.xml><?xml version="1.0" encoding="utf-8"?>
+<ds:datastoreItem xmlns:ds="http://schemas.openxmlformats.org/officeDocument/2006/customXml" ds:itemID="{3741902D-04F9-49A3-B157-80DFCB208C9B}">
+  <ds:schemaRefs>
+    <ds:schemaRef ds:uri="http://schemas.microsoft.com/sharepoint/v3/contenttype/forms"/>
+  </ds:schemaRefs>
+</ds:datastoreItem>
 </file>
 
-<file path=customXml/itemProps1.xml><?xml version="1.0" encoding="utf-8"?>
+<file path=customXml/itemProps3.xml><?xml version="1.0" encoding="utf-8"?>
 <ds:datastoreItem xmlns:ds="http://schemas.openxmlformats.org/officeDocument/2006/customXml" ds:itemID="{725E22B1-42E7-423D-9BA3-6C48B93FB401}">
   <ds:schemaRefs>
     <ds:schemaRef ds:uri="http://schemas.microsoft.com/office/2006/metadata/contentType"/>
@@ -6974,29 +7025,4 @@
     <ds:schemaRef ds:uri="http://schemas.microsoft.com/internal/obd"/>
   </ds:schemaRefs>
 </ds:datastoreItem>
-</file>
-
-<file path=customXml/itemProps2.xml><?xml version="1.0" encoding="utf-8"?>
-<ds:datastoreItem xmlns:ds="http://schemas.openxmlformats.org/officeDocument/2006/customXml" ds:itemID="{3741902D-04F9-49A3-B157-80DFCB208C9B}">
-  <ds:schemaRefs>
-    <ds:schemaRef ds:uri="http://schemas.microsoft.com/sharepoint/v3/contenttype/forms"/>
-  </ds:schemaRefs>
-</ds:datastoreItem>
-</file>
-
-<file path=customXml/itemProps3.xml><?xml version="1.0" encoding="utf-8"?>
-<ds:datastoreItem xmlns:ds="http://schemas.openxmlformats.org/officeDocument/2006/customXml" ds:itemID="{009F48BC-210D-4C7E-BF34-865E161B83EC}">
-  <ds:schemaRefs>
-    <ds:schemaRef ds:uri="http://www.w3.org/XML/1998/namespace"/>
-    <ds:schemaRef ds:uri="http://purl.org/dc/elements/1.1/"/>
-    <ds:schemaRef ds:uri="http://purl.org/dc/terms/"/>
-    <ds:schemaRef ds:uri="http://purl.org/dc/dcmitype/"/>
-    <ds:schemaRef ds:uri="http://schemas.openxmlformats.org/package/2006/metadata/core-properties"/>
-    <ds:schemaRef ds:uri="http://schemas.microsoft.com/office/infopath/2007/PartnerControls"/>
-    <ds:schemaRef ds:uri="http://schemas.microsoft.com/office/2006/documentManagement/types"/>
-    <ds:schemaRef ds:uri="79febee5-f550-440a-a0d4-3bec8d62d666"/>
-    <ds:schemaRef ds:uri="c8d41a52-0429-44d3-941d-5f8a8f3627d7"/>
-    <ds:schemaRef ds:uri="http://schemas.microsoft.com/office/2006/metadata/properties"/>
-  </ds:schemaRefs>
-</ds:datastoreItem>
 </file>
--- a/ETL Project - CHAMPS.pptx
+++ b/ETL Project - CHAMPS.pptx
@@ -123,7 +123,7 @@
   <pc:docChgLst>
     <pc:chgData name="Craig Hall" userId="83e013f9-570f-4443-9159-e4af494bc6db" providerId="ADAL" clId="{F1CB31A8-1D47-4906-8B64-8E98803AD6BA}"/>
     <pc:docChg chg="modSld">
-      <pc:chgData name="Craig Hall" userId="83e013f9-570f-4443-9159-e4af494bc6db" providerId="ADAL" clId="{F1CB31A8-1D47-4906-8B64-8E98803AD6BA}" dt="2020-01-14T17:57:57.505" v="5" actId="20577"/>
+      <pc:chgData name="Craig Hall" userId="83e013f9-570f-4443-9159-e4af494bc6db" providerId="ADAL" clId="{F1CB31A8-1D47-4906-8B64-8E98803AD6BA}" dt="2020-01-17T01:59:31.551" v="202" actId="20577"/>
       <pc:docMkLst>
         <pc:docMk/>
       </pc:docMkLst>
@@ -139,6 +139,74 @@
             <pc:docMk/>
             <pc:sldMk cId="2817863827" sldId="256"/>
             <ac:spMk id="29" creationId="{31A0781E-7FFA-4731-812C-D5A337FE0881}"/>
+          </ac:spMkLst>
+        </pc:spChg>
+      </pc:sldChg>
+      <pc:sldChg chg="modSp">
+        <pc:chgData name="Craig Hall" userId="83e013f9-570f-4443-9159-e4af494bc6db" providerId="ADAL" clId="{F1CB31A8-1D47-4906-8B64-8E98803AD6BA}" dt="2020-01-17T01:58:13.581" v="106" actId="20577"/>
+        <pc:sldMkLst>
+          <pc:docMk/>
+          <pc:sldMk cId="567583377" sldId="257"/>
+        </pc:sldMkLst>
+        <pc:spChg chg="mod">
+          <ac:chgData name="Craig Hall" userId="83e013f9-570f-4443-9159-e4af494bc6db" providerId="ADAL" clId="{F1CB31A8-1D47-4906-8B64-8E98803AD6BA}" dt="2020-01-17T01:58:13.581" v="106" actId="20577"/>
+          <ac:spMkLst>
+            <pc:docMk/>
+            <pc:sldMk cId="567583377" sldId="257"/>
+            <ac:spMk id="6" creationId="{03C45A45-4963-45E3-BFD5-C1FFF5FA7A3C}"/>
+          </ac:spMkLst>
+        </pc:spChg>
+      </pc:sldChg>
+      <pc:sldChg chg="modSp">
+        <pc:chgData name="Craig Hall" userId="83e013f9-570f-4443-9159-e4af494bc6db" providerId="ADAL" clId="{F1CB31A8-1D47-4906-8B64-8E98803AD6BA}" dt="2020-01-15T00:34:12.709" v="84" actId="6549"/>
+        <pc:sldMkLst>
+          <pc:docMk/>
+          <pc:sldMk cId="3619550162" sldId="259"/>
+        </pc:sldMkLst>
+        <pc:spChg chg="mod">
+          <ac:chgData name="Craig Hall" userId="83e013f9-570f-4443-9159-e4af494bc6db" providerId="ADAL" clId="{F1CB31A8-1D47-4906-8B64-8E98803AD6BA}" dt="2020-01-15T00:34:12.709" v="84" actId="6549"/>
+          <ac:spMkLst>
+            <pc:docMk/>
+            <pc:sldMk cId="3619550162" sldId="259"/>
+            <ac:spMk id="3" creationId="{979A2AF2-CD59-4EE2-BE85-9D2F3AB94D64}"/>
+          </ac:spMkLst>
+        </pc:spChg>
+      </pc:sldChg>
+      <pc:sldChg chg="modSp">
+        <pc:chgData name="Craig Hall" userId="83e013f9-570f-4443-9159-e4af494bc6db" providerId="ADAL" clId="{F1CB31A8-1D47-4906-8B64-8E98803AD6BA}" dt="2020-01-17T01:59:31.551" v="202" actId="20577"/>
+        <pc:sldMkLst>
+          <pc:docMk/>
+          <pc:sldMk cId="207020869" sldId="260"/>
+        </pc:sldMkLst>
+        <pc:spChg chg="mod">
+          <ac:chgData name="Craig Hall" userId="83e013f9-570f-4443-9159-e4af494bc6db" providerId="ADAL" clId="{F1CB31A8-1D47-4906-8B64-8E98803AD6BA}" dt="2020-01-17T01:59:26.701" v="197" actId="20577"/>
+          <ac:spMkLst>
+            <pc:docMk/>
+            <pc:sldMk cId="207020869" sldId="260"/>
+            <ac:spMk id="5" creationId="{658F379A-11ED-4271-AB85-593202473BDD}"/>
+          </ac:spMkLst>
+        </pc:spChg>
+        <pc:spChg chg="mod">
+          <ac:chgData name="Craig Hall" userId="83e013f9-570f-4443-9159-e4af494bc6db" providerId="ADAL" clId="{F1CB31A8-1D47-4906-8B64-8E98803AD6BA}" dt="2020-01-17T01:59:31.551" v="202" actId="20577"/>
+          <ac:spMkLst>
+            <pc:docMk/>
+            <pc:sldMk cId="207020869" sldId="260"/>
+            <ac:spMk id="6" creationId="{96F6AA98-3845-4E8B-A05B-E3015D373B62}"/>
+          </ac:spMkLst>
+        </pc:spChg>
+      </pc:sldChg>
+      <pc:sldChg chg="modSp">
+        <pc:chgData name="Craig Hall" userId="83e013f9-570f-4443-9159-e4af494bc6db" providerId="ADAL" clId="{F1CB31A8-1D47-4906-8B64-8E98803AD6BA}" dt="2020-01-15T00:32:32.416" v="15" actId="20577"/>
+        <pc:sldMkLst>
+          <pc:docMk/>
+          <pc:sldMk cId="466508860" sldId="261"/>
+        </pc:sldMkLst>
+        <pc:spChg chg="mod">
+          <ac:chgData name="Craig Hall" userId="83e013f9-570f-4443-9159-e4af494bc6db" providerId="ADAL" clId="{F1CB31A8-1D47-4906-8B64-8E98803AD6BA}" dt="2020-01-15T00:32:32.416" v="15" actId="20577"/>
+          <ac:spMkLst>
+            <pc:docMk/>
+            <pc:sldMk cId="466508860" sldId="261"/>
+            <ac:spMk id="22" creationId="{D05A8BC9-053E-4FE7-A622-0999048261B3}"/>
           </ac:spMkLst>
         </pc:spChg>
       </pc:sldChg>
@@ -278,7 +346,7 @@
           <a:p>
             <a:fld id="{AD196480-F0D9-44F8-BC66-32B47A877762}" type="datetimeFigureOut">
               <a:rPr lang="en-US" smtClean="0"/>
-              <a:t>1/14/2020</a:t>
+              <a:t>1/16/2020</a:t>
             </a:fld>
             <a:endParaRPr lang="en-US"/>
           </a:p>
@@ -448,7 +516,7 @@
           <a:p>
             <a:fld id="{AD196480-F0D9-44F8-BC66-32B47A877762}" type="datetimeFigureOut">
               <a:rPr lang="en-US" smtClean="0"/>
-              <a:t>1/14/2020</a:t>
+              <a:t>1/16/2020</a:t>
             </a:fld>
             <a:endParaRPr lang="en-US"/>
           </a:p>
@@ -628,7 +696,7 @@
           <a:p>
             <a:fld id="{AD196480-F0D9-44F8-BC66-32B47A877762}" type="datetimeFigureOut">
               <a:rPr lang="en-US" smtClean="0"/>
-              <a:t>1/14/2020</a:t>
+              <a:t>1/16/2020</a:t>
             </a:fld>
             <a:endParaRPr lang="en-US"/>
           </a:p>
@@ -798,7 +866,7 @@
           <a:p>
             <a:fld id="{AD196480-F0D9-44F8-BC66-32B47A877762}" type="datetimeFigureOut">
               <a:rPr lang="en-US" smtClean="0"/>
-              <a:t>1/14/2020</a:t>
+              <a:t>1/16/2020</a:t>
             </a:fld>
             <a:endParaRPr lang="en-US"/>
           </a:p>
@@ -1042,7 +1110,7 @@
           <a:p>
             <a:fld id="{AD196480-F0D9-44F8-BC66-32B47A877762}" type="datetimeFigureOut">
               <a:rPr lang="en-US" smtClean="0"/>
-              <a:t>1/14/2020</a:t>
+              <a:t>1/16/2020</a:t>
             </a:fld>
             <a:endParaRPr lang="en-US"/>
           </a:p>
@@ -1274,7 +1342,7 @@
           <a:p>
             <a:fld id="{AD196480-F0D9-44F8-BC66-32B47A877762}" type="datetimeFigureOut">
               <a:rPr lang="en-US" smtClean="0"/>
-              <a:t>1/14/2020</a:t>
+              <a:t>1/16/2020</a:t>
             </a:fld>
             <a:endParaRPr lang="en-US"/>
           </a:p>
@@ -1641,7 +1709,7 @@
           <a:p>
             <a:fld id="{AD196480-F0D9-44F8-BC66-32B47A877762}" type="datetimeFigureOut">
               <a:rPr lang="en-US" smtClean="0"/>
-              <a:t>1/14/2020</a:t>
+              <a:t>1/16/2020</a:t>
             </a:fld>
             <a:endParaRPr lang="en-US"/>
           </a:p>
@@ -1759,7 +1827,7 @@
           <a:p>
             <a:fld id="{AD196480-F0D9-44F8-BC66-32B47A877762}" type="datetimeFigureOut">
               <a:rPr lang="en-US" smtClean="0"/>
-              <a:t>1/14/2020</a:t>
+              <a:t>1/16/2020</a:t>
             </a:fld>
             <a:endParaRPr lang="en-US"/>
           </a:p>
@@ -1854,7 +1922,7 @@
           <a:p>
             <a:fld id="{AD196480-F0D9-44F8-BC66-32B47A877762}" type="datetimeFigureOut">
               <a:rPr lang="en-US" smtClean="0"/>
-              <a:t>1/14/2020</a:t>
+              <a:t>1/16/2020</a:t>
             </a:fld>
             <a:endParaRPr lang="en-US"/>
           </a:p>
@@ -2131,7 +2199,7 @@
           <a:p>
             <a:fld id="{AD196480-F0D9-44F8-BC66-32B47A877762}" type="datetimeFigureOut">
               <a:rPr lang="en-US" smtClean="0"/>
-              <a:t>1/14/2020</a:t>
+              <a:t>1/16/2020</a:t>
             </a:fld>
             <a:endParaRPr lang="en-US"/>
           </a:p>
@@ -2388,7 +2456,7 @@
           <a:p>
             <a:fld id="{AD196480-F0D9-44F8-BC66-32B47A877762}" type="datetimeFigureOut">
               <a:rPr lang="en-US" smtClean="0"/>
-              <a:t>1/14/2020</a:t>
+              <a:t>1/16/2020</a:t>
             </a:fld>
             <a:endParaRPr lang="en-US"/>
           </a:p>
@@ -2601,7 +2669,7 @@
           <a:p>
             <a:fld id="{AD196480-F0D9-44F8-BC66-32B47A877762}" type="datetimeFigureOut">
               <a:rPr lang="en-US" smtClean="0"/>
-              <a:t>1/14/2020</a:t>
+              <a:t>1/16/2020</a:t>
             </a:fld>
             <a:endParaRPr lang="en-US"/>
           </a:p>
@@ -5005,7 +5073,7 @@
             <a:pPr algn="ctr"/>
             <a:r>
               <a:rPr lang="en-US" dirty="0"/>
-              <a:t>We set out to determine if we could find a correlation between </a:t>
+              <a:t>We set out to find a correlation between </a:t>
             </a:r>
           </a:p>
           <a:p>
@@ -5375,8 +5443,13 @@
             </a:pPr>
             <a:r>
               <a:rPr lang="en-US" sz="1600" dirty="0"/>
-              <a:t>Used Pandas to join the data, and create a NoSQL database in MongoDB. </a:t>
-            </a:r>
+              <a:t>Used Pandas to join the data, and created a </a:t>
+            </a:r>
+            <a:r>
+              <a:rPr lang="en-US" sz="1600"/>
+              <a:t>PostgreSQL database.   </a:t>
+            </a:r>
+            <a:endParaRPr lang="en-US" sz="1600" dirty="0"/>
           </a:p>
           <a:p>
             <a:pPr marL="342900" indent="-342900">
@@ -5561,7 +5634,7 @@
         <p:spPr>
           <a:xfrm>
             <a:off x="506027" y="5548543"/>
-            <a:ext cx="2974020" cy="276999"/>
+            <a:ext cx="2974020" cy="646331"/>
           </a:xfrm>
           <a:prstGeom prst="rect">
             <a:avLst/>
@@ -5577,7 +5650,7 @@
             <a:pPr algn="ctr"/>
             <a:r>
               <a:rPr lang="en-US" sz="1200" dirty="0"/>
-              <a:t>Example of Python code</a:t>
+              <a:t>Example of Python code creating empty lists and cycling through Yelp API to grab restaurant information</a:t>
             </a:r>
           </a:p>
         </p:txBody>
@@ -5613,7 +5686,15 @@
             <a:pPr algn="ctr"/>
             <a:r>
               <a:rPr lang="en-US" sz="1200" dirty="0"/>
-              <a:t>List results retrieved from API call</a:t>
+              <a:t>List results retrieved </a:t>
+            </a:r>
+            <a:r>
+              <a:rPr lang="en-US" sz="1200"/>
+              <a:t>from Yelp API </a:t>
+            </a:r>
+            <a:r>
+              <a:rPr lang="en-US" sz="1200" dirty="0"/>
+              <a:t>call</a:t>
             </a:r>
           </a:p>
         </p:txBody>
@@ -6346,7 +6427,7 @@
             <a:pPr algn="ctr"/>
             <a:r>
               <a:rPr lang="en-US" dirty="0"/>
-              <a:t>MongoDB</a:t>
+              <a:t>PostgreSQL</a:t>
             </a:r>
           </a:p>
         </p:txBody>

--- a/ETL Project - CHAMPS.pptx
+++ b/ETL Project - CHAMPS.pptx
@@ -9,9 +9,12 @@
     <p:sldId id="257" r:id="rId6"/>
     <p:sldId id="258" r:id="rId7"/>
     <p:sldId id="259" r:id="rId8"/>
-    <p:sldId id="260" r:id="rId9"/>
-    <p:sldId id="261" r:id="rId10"/>
-    <p:sldId id="262" r:id="rId11"/>
+    <p:sldId id="261" r:id="rId9"/>
+    <p:sldId id="264" r:id="rId10"/>
+    <p:sldId id="260" r:id="rId11"/>
+    <p:sldId id="265" r:id="rId12"/>
+    <p:sldId id="263" r:id="rId13"/>
+    <p:sldId id="262" r:id="rId14"/>
   </p:sldIdLst>
   <p:sldSz cx="9144000" cy="6858000" type="screen4x3"/>
   <p:notesSz cx="6858000" cy="9144000"/>
@@ -118,12 +121,20 @@
 </p:presentation>
 </file>
 
+<file path=ppt/revisionInfo.xml><?xml version="1.0" encoding="utf-8"?>
+<p1510:revInfo xmlns:a="http://schemas.openxmlformats.org/drawingml/2006/main" xmlns:r="http://schemas.openxmlformats.org/officeDocument/2006/relationships" xmlns:p1510="http://schemas.microsoft.com/office/powerpoint/2015/10/main">
+  <p1510:revLst>
+    <p1510:client id="{F1CB31A8-1D47-4906-8B64-8E98803AD6BA}" v="115" dt="2020-01-18T21:00:52.550"/>
+  </p1510:revLst>
+</p1510:revInfo>
+</file>
+
 <file path=ppt/changesInfos/changesInfo1.xml><?xml version="1.0" encoding="utf-8"?>
 <pc:chgInfo xmlns:a="http://schemas.openxmlformats.org/drawingml/2006/main" xmlns:r="http://schemas.openxmlformats.org/officeDocument/2006/relationships" xmlns:ac="http://schemas.microsoft.com/office/drawing/2013/main/command" xmlns:pc="http://schemas.microsoft.com/office/powerpoint/2013/main/command">
   <pc:docChgLst>
     <pc:chgData name="Craig Hall" userId="83e013f9-570f-4443-9159-e4af494bc6db" providerId="ADAL" clId="{F1CB31A8-1D47-4906-8B64-8E98803AD6BA}"/>
-    <pc:docChg chg="modSld">
-      <pc:chgData name="Craig Hall" userId="83e013f9-570f-4443-9159-e4af494bc6db" providerId="ADAL" clId="{F1CB31A8-1D47-4906-8B64-8E98803AD6BA}" dt="2020-01-17T01:59:31.551" v="202" actId="20577"/>
+    <pc:docChg chg="undo custSel addSld delSld modSld sldOrd">
+      <pc:chgData name="Craig Hall" userId="83e013f9-570f-4443-9159-e4af494bc6db" providerId="ADAL" clId="{F1CB31A8-1D47-4906-8B64-8E98803AD6BA}" dt="2020-01-18T21:01:15.285" v="5896" actId="20577"/>
       <pc:docMkLst>
         <pc:docMk/>
       </pc:docMkLst>
@@ -143,13 +154,13 @@
         </pc:spChg>
       </pc:sldChg>
       <pc:sldChg chg="modSp">
-        <pc:chgData name="Craig Hall" userId="83e013f9-570f-4443-9159-e4af494bc6db" providerId="ADAL" clId="{F1CB31A8-1D47-4906-8B64-8E98803AD6BA}" dt="2020-01-17T01:58:13.581" v="106" actId="20577"/>
+        <pc:chgData name="Craig Hall" userId="83e013f9-570f-4443-9159-e4af494bc6db" providerId="ADAL" clId="{F1CB31A8-1D47-4906-8B64-8E98803AD6BA}" dt="2020-01-18T19:57:10.681" v="3813" actId="20577"/>
         <pc:sldMkLst>
           <pc:docMk/>
           <pc:sldMk cId="567583377" sldId="257"/>
         </pc:sldMkLst>
         <pc:spChg chg="mod">
-          <ac:chgData name="Craig Hall" userId="83e013f9-570f-4443-9159-e4af494bc6db" providerId="ADAL" clId="{F1CB31A8-1D47-4906-8B64-8E98803AD6BA}" dt="2020-01-17T01:58:13.581" v="106" actId="20577"/>
+          <ac:chgData name="Craig Hall" userId="83e013f9-570f-4443-9159-e4af494bc6db" providerId="ADAL" clId="{F1CB31A8-1D47-4906-8B64-8E98803AD6BA}" dt="2020-01-18T19:57:10.681" v="3813" actId="20577"/>
           <ac:spMkLst>
             <pc:docMk/>
             <pc:sldMk cId="567583377" sldId="257"/>
@@ -158,13 +169,36 @@
         </pc:spChg>
       </pc:sldChg>
       <pc:sldChg chg="modSp">
-        <pc:chgData name="Craig Hall" userId="83e013f9-570f-4443-9159-e4af494bc6db" providerId="ADAL" clId="{F1CB31A8-1D47-4906-8B64-8E98803AD6BA}" dt="2020-01-15T00:34:12.709" v="84" actId="6549"/>
+        <pc:chgData name="Craig Hall" userId="83e013f9-570f-4443-9159-e4af494bc6db" providerId="ADAL" clId="{F1CB31A8-1D47-4906-8B64-8E98803AD6BA}" dt="2020-01-18T20:03:36.586" v="4086" actId="14100"/>
+        <pc:sldMkLst>
+          <pc:docMk/>
+          <pc:sldMk cId="3096068599" sldId="258"/>
+        </pc:sldMkLst>
+        <pc:spChg chg="mod">
+          <ac:chgData name="Craig Hall" userId="83e013f9-570f-4443-9159-e4af494bc6db" providerId="ADAL" clId="{F1CB31A8-1D47-4906-8B64-8E98803AD6BA}" dt="2020-01-18T20:03:36.586" v="4086" actId="14100"/>
+          <ac:spMkLst>
+            <pc:docMk/>
+            <pc:sldMk cId="3096068599" sldId="258"/>
+            <ac:spMk id="3" creationId="{617226C7-D244-4941-BE61-FADDECBD475A}"/>
+          </ac:spMkLst>
+        </pc:spChg>
+        <pc:picChg chg="mod">
+          <ac:chgData name="Craig Hall" userId="83e013f9-570f-4443-9159-e4af494bc6db" providerId="ADAL" clId="{F1CB31A8-1D47-4906-8B64-8E98803AD6BA}" dt="2020-01-18T20:00:27.211" v="3919" actId="1036"/>
+          <ac:picMkLst>
+            <pc:docMk/>
+            <pc:sldMk cId="3096068599" sldId="258"/>
+            <ac:picMk id="3074" creationId="{37533A9A-E48B-4D71-9336-1CFB716AF9F1}"/>
+          </ac:picMkLst>
+        </pc:picChg>
+      </pc:sldChg>
+      <pc:sldChg chg="modSp">
+        <pc:chgData name="Craig Hall" userId="83e013f9-570f-4443-9159-e4af494bc6db" providerId="ADAL" clId="{F1CB31A8-1D47-4906-8B64-8E98803AD6BA}" dt="2020-01-18T20:48:55.253" v="4986" actId="255"/>
         <pc:sldMkLst>
           <pc:docMk/>
           <pc:sldMk cId="3619550162" sldId="259"/>
         </pc:sldMkLst>
         <pc:spChg chg="mod">
-          <ac:chgData name="Craig Hall" userId="83e013f9-570f-4443-9159-e4af494bc6db" providerId="ADAL" clId="{F1CB31A8-1D47-4906-8B64-8E98803AD6BA}" dt="2020-01-15T00:34:12.709" v="84" actId="6549"/>
+          <ac:chgData name="Craig Hall" userId="83e013f9-570f-4443-9159-e4af494bc6db" providerId="ADAL" clId="{F1CB31A8-1D47-4906-8B64-8E98803AD6BA}" dt="2020-01-18T20:48:55.253" v="4986" actId="255"/>
           <ac:spMkLst>
             <pc:docMk/>
             <pc:sldMk cId="3619550162" sldId="259"/>
@@ -172,14 +206,14 @@
           </ac:spMkLst>
         </pc:spChg>
       </pc:sldChg>
-      <pc:sldChg chg="modSp">
-        <pc:chgData name="Craig Hall" userId="83e013f9-570f-4443-9159-e4af494bc6db" providerId="ADAL" clId="{F1CB31A8-1D47-4906-8B64-8E98803AD6BA}" dt="2020-01-17T01:59:31.551" v="202" actId="20577"/>
+      <pc:sldChg chg="modSp ord">
+        <pc:chgData name="Craig Hall" userId="83e013f9-570f-4443-9159-e4af494bc6db" providerId="ADAL" clId="{F1CB31A8-1D47-4906-8B64-8E98803AD6BA}" dt="2020-01-18T20:46:40.425" v="4962" actId="1076"/>
         <pc:sldMkLst>
           <pc:docMk/>
           <pc:sldMk cId="207020869" sldId="260"/>
         </pc:sldMkLst>
         <pc:spChg chg="mod">
-          <ac:chgData name="Craig Hall" userId="83e013f9-570f-4443-9159-e4af494bc6db" providerId="ADAL" clId="{F1CB31A8-1D47-4906-8B64-8E98803AD6BA}" dt="2020-01-17T01:59:26.701" v="197" actId="20577"/>
+          <ac:chgData name="Craig Hall" userId="83e013f9-570f-4443-9159-e4af494bc6db" providerId="ADAL" clId="{F1CB31A8-1D47-4906-8B64-8E98803AD6BA}" dt="2020-01-18T20:46:40.425" v="4962" actId="1076"/>
           <ac:spMkLst>
             <pc:docMk/>
             <pc:sldMk cId="207020869" sldId="260"/>
@@ -195,8 +229,8 @@
           </ac:spMkLst>
         </pc:spChg>
       </pc:sldChg>
-      <pc:sldChg chg="modSp">
-        <pc:chgData name="Craig Hall" userId="83e013f9-570f-4443-9159-e4af494bc6db" providerId="ADAL" clId="{F1CB31A8-1D47-4906-8B64-8E98803AD6BA}" dt="2020-01-15T00:32:32.416" v="15" actId="20577"/>
+      <pc:sldChg chg="modSp ord">
+        <pc:chgData name="Craig Hall" userId="83e013f9-570f-4443-9159-e4af494bc6db" providerId="ADAL" clId="{F1CB31A8-1D47-4906-8B64-8E98803AD6BA}" dt="2020-01-18T20:09:48.600" v="4408"/>
         <pc:sldMkLst>
           <pc:docMk/>
           <pc:sldMk cId="466508860" sldId="261"/>
@@ -209,6 +243,209 @@
             <ac:spMk id="22" creationId="{D05A8BC9-053E-4FE7-A622-0999048261B3}"/>
           </ac:spMkLst>
         </pc:spChg>
+      </pc:sldChg>
+      <pc:sldChg chg="addSp modSp add del">
+        <pc:chgData name="Craig Hall" userId="83e013f9-570f-4443-9159-e4af494bc6db" providerId="ADAL" clId="{F1CB31A8-1D47-4906-8B64-8E98803AD6BA}" dt="2020-01-18T21:01:15.285" v="5896" actId="20577"/>
+        <pc:sldMkLst>
+          <pc:docMk/>
+          <pc:sldMk cId="3316736245" sldId="262"/>
+        </pc:sldMkLst>
+        <pc:spChg chg="mod">
+          <ac:chgData name="Craig Hall" userId="83e013f9-570f-4443-9159-e4af494bc6db" providerId="ADAL" clId="{F1CB31A8-1D47-4906-8B64-8E98803AD6BA}" dt="2020-01-18T21:00:57.508" v="5885" actId="1076"/>
+          <ac:spMkLst>
+            <pc:docMk/>
+            <pc:sldMk cId="3316736245" sldId="262"/>
+            <ac:spMk id="2" creationId="{ABFE6021-6FE4-4DFB-979F-74E1B00EAE72}"/>
+          </ac:spMkLst>
+        </pc:spChg>
+        <pc:spChg chg="add mod">
+          <ac:chgData name="Craig Hall" userId="83e013f9-570f-4443-9159-e4af494bc6db" providerId="ADAL" clId="{F1CB31A8-1D47-4906-8B64-8E98803AD6BA}" dt="2020-01-18T21:01:15.285" v="5896" actId="20577"/>
+          <ac:spMkLst>
+            <pc:docMk/>
+            <pc:sldMk cId="3316736245" sldId="262"/>
+            <ac:spMk id="3" creationId="{2A97ED60-D883-41EA-8E9B-A6187659FADC}"/>
+          </ac:spMkLst>
+        </pc:spChg>
+      </pc:sldChg>
+      <pc:sldChg chg="modSp del">
+        <pc:chgData name="Craig Hall" userId="83e013f9-570f-4443-9159-e4af494bc6db" providerId="ADAL" clId="{F1CB31A8-1D47-4906-8B64-8E98803AD6BA}" dt="2020-01-18T20:03:49.682" v="4087" actId="2696"/>
+        <pc:sldMkLst>
+          <pc:docMk/>
+          <pc:sldMk cId="641613690" sldId="263"/>
+        </pc:sldMkLst>
+        <pc:spChg chg="mod">
+          <ac:chgData name="Craig Hall" userId="83e013f9-570f-4443-9159-e4af494bc6db" providerId="ADAL" clId="{F1CB31A8-1D47-4906-8B64-8E98803AD6BA}" dt="2020-01-18T20:02:38.631" v="3958" actId="20577"/>
+          <ac:spMkLst>
+            <pc:docMk/>
+            <pc:sldMk cId="641613690" sldId="263"/>
+            <ac:spMk id="3" creationId="{617226C7-D244-4941-BE61-FADDECBD475A}"/>
+          </ac:spMkLst>
+        </pc:spChg>
+      </pc:sldChg>
+      <pc:sldChg chg="addSp delSp modSp">
+        <pc:chgData name="Craig Hall" userId="83e013f9-570f-4443-9159-e4af494bc6db" providerId="ADAL" clId="{F1CB31A8-1D47-4906-8B64-8E98803AD6BA}" dt="2020-01-18T20:47:41.700" v="4977" actId="20577"/>
+        <pc:sldMkLst>
+          <pc:docMk/>
+          <pc:sldMk cId="2757493470" sldId="263"/>
+        </pc:sldMkLst>
+        <pc:spChg chg="mod">
+          <ac:chgData name="Craig Hall" userId="83e013f9-570f-4443-9159-e4af494bc6db" providerId="ADAL" clId="{F1CB31A8-1D47-4906-8B64-8E98803AD6BA}" dt="2020-01-18T20:47:41.700" v="4977" actId="20577"/>
+          <ac:spMkLst>
+            <pc:docMk/>
+            <pc:sldMk cId="2757493470" sldId="263"/>
+            <ac:spMk id="5" creationId="{658F379A-11ED-4271-AB85-593202473BDD}"/>
+          </ac:spMkLst>
+        </pc:spChg>
+        <pc:spChg chg="mod">
+          <ac:chgData name="Craig Hall" userId="83e013f9-570f-4443-9159-e4af494bc6db" providerId="ADAL" clId="{F1CB31A8-1D47-4906-8B64-8E98803AD6BA}" dt="2020-01-18T20:21:44.485" v="4739" actId="1076"/>
+          <ac:spMkLst>
+            <pc:docMk/>
+            <pc:sldMk cId="2757493470" sldId="263"/>
+            <ac:spMk id="6" creationId="{96F6AA98-3845-4E8B-A05B-E3015D373B62}"/>
+          </ac:spMkLst>
+        </pc:spChg>
+        <pc:picChg chg="del">
+          <ac:chgData name="Craig Hall" userId="83e013f9-570f-4443-9159-e4af494bc6db" providerId="ADAL" clId="{F1CB31A8-1D47-4906-8B64-8E98803AD6BA}" dt="2020-01-18T20:13:47.203" v="4409" actId="478"/>
+          <ac:picMkLst>
+            <pc:docMk/>
+            <pc:sldMk cId="2757493470" sldId="263"/>
+            <ac:picMk id="2" creationId="{E97A1896-B084-4205-A007-9A48DD3F1EBD}"/>
+          </ac:picMkLst>
+        </pc:picChg>
+        <pc:picChg chg="del">
+          <ac:chgData name="Craig Hall" userId="83e013f9-570f-4443-9159-e4af494bc6db" providerId="ADAL" clId="{F1CB31A8-1D47-4906-8B64-8E98803AD6BA}" dt="2020-01-18T20:13:49.447" v="4410" actId="478"/>
+          <ac:picMkLst>
+            <pc:docMk/>
+            <pc:sldMk cId="2757493470" sldId="263"/>
+            <ac:picMk id="4" creationId="{7FB5AC0F-D372-4ADD-BCE4-EBBE518B841B}"/>
+          </ac:picMkLst>
+        </pc:picChg>
+        <pc:picChg chg="add del mod modCrop">
+          <ac:chgData name="Craig Hall" userId="83e013f9-570f-4443-9159-e4af494bc6db" providerId="ADAL" clId="{F1CB31A8-1D47-4906-8B64-8E98803AD6BA}" dt="2020-01-18T20:15:37.704" v="4418" actId="478"/>
+          <ac:picMkLst>
+            <pc:docMk/>
+            <pc:sldMk cId="2757493470" sldId="263"/>
+            <ac:picMk id="8" creationId="{ADAA7891-2FFE-4034-978B-CD687806F1E1}"/>
+          </ac:picMkLst>
+        </pc:picChg>
+        <pc:picChg chg="add mod">
+          <ac:chgData name="Craig Hall" userId="83e013f9-570f-4443-9159-e4af494bc6db" providerId="ADAL" clId="{F1CB31A8-1D47-4906-8B64-8E98803AD6BA}" dt="2020-01-18T20:18:18.720" v="4436" actId="14100"/>
+          <ac:picMkLst>
+            <pc:docMk/>
+            <pc:sldMk cId="2757493470" sldId="263"/>
+            <ac:picMk id="10" creationId="{F210E1C7-38F5-4477-857D-1A1695863BE8}"/>
+          </ac:picMkLst>
+        </pc:picChg>
+        <pc:picChg chg="add mod">
+          <ac:chgData name="Craig Hall" userId="83e013f9-570f-4443-9159-e4af494bc6db" providerId="ADAL" clId="{F1CB31A8-1D47-4906-8B64-8E98803AD6BA}" dt="2020-01-18T20:18:49.880" v="4461" actId="1038"/>
+          <ac:picMkLst>
+            <pc:docMk/>
+            <pc:sldMk cId="2757493470" sldId="263"/>
+            <ac:picMk id="12" creationId="{C6667992-3D2E-4A26-BBE2-0A829BAFBC66}"/>
+          </ac:picMkLst>
+        </pc:picChg>
+        <pc:picChg chg="add mod">
+          <ac:chgData name="Craig Hall" userId="83e013f9-570f-4443-9159-e4af494bc6db" providerId="ADAL" clId="{F1CB31A8-1D47-4906-8B64-8E98803AD6BA}" dt="2020-01-18T20:18:45.875" v="4443" actId="14100"/>
+          <ac:picMkLst>
+            <pc:docMk/>
+            <pc:sldMk cId="2757493470" sldId="263"/>
+            <ac:picMk id="14" creationId="{696BE152-85F8-4465-AF69-0A740DB23F67}"/>
+          </ac:picMkLst>
+        </pc:picChg>
+      </pc:sldChg>
+      <pc:sldChg chg="addSp delSp modSp add">
+        <pc:chgData name="Craig Hall" userId="83e013f9-570f-4443-9159-e4af494bc6db" providerId="ADAL" clId="{F1CB31A8-1D47-4906-8B64-8E98803AD6BA}" dt="2020-01-18T20:49:13.191" v="4991" actId="20577"/>
+        <pc:sldMkLst>
+          <pc:docMk/>
+          <pc:sldMk cId="2365666982" sldId="264"/>
+        </pc:sldMkLst>
+        <pc:spChg chg="del">
+          <ac:chgData name="Craig Hall" userId="83e013f9-570f-4443-9159-e4af494bc6db" providerId="ADAL" clId="{F1CB31A8-1D47-4906-8B64-8E98803AD6BA}" dt="2020-01-18T20:26:24.329" v="4742" actId="478"/>
+          <ac:spMkLst>
+            <pc:docMk/>
+            <pc:sldMk cId="2365666982" sldId="264"/>
+            <ac:spMk id="2" creationId="{B72AC1BB-9574-474E-B040-948298D677CD}"/>
+          </ac:spMkLst>
+        </pc:spChg>
+        <pc:spChg chg="del">
+          <ac:chgData name="Craig Hall" userId="83e013f9-570f-4443-9159-e4af494bc6db" providerId="ADAL" clId="{F1CB31A8-1D47-4906-8B64-8E98803AD6BA}" dt="2020-01-18T20:26:26.837" v="4743" actId="478"/>
+          <ac:spMkLst>
+            <pc:docMk/>
+            <pc:sldMk cId="2365666982" sldId="264"/>
+            <ac:spMk id="3" creationId="{A45DB469-E653-42D0-983F-546E875ADB14}"/>
+          </ac:spMkLst>
+        </pc:spChg>
+        <pc:spChg chg="add mod">
+          <ac:chgData name="Craig Hall" userId="83e013f9-570f-4443-9159-e4af494bc6db" providerId="ADAL" clId="{F1CB31A8-1D47-4906-8B64-8E98803AD6BA}" dt="2020-01-18T20:49:13.191" v="4991" actId="20577"/>
+          <ac:spMkLst>
+            <pc:docMk/>
+            <pc:sldMk cId="2365666982" sldId="264"/>
+            <ac:spMk id="7" creationId="{E27BECAF-1B89-4667-B8D2-AC93D7D857DA}"/>
+          </ac:spMkLst>
+        </pc:spChg>
+        <pc:spChg chg="add mod">
+          <ac:chgData name="Craig Hall" userId="83e013f9-570f-4443-9159-e4af494bc6db" providerId="ADAL" clId="{F1CB31A8-1D47-4906-8B64-8E98803AD6BA}" dt="2020-01-18T20:46:22.348" v="4950" actId="1076"/>
+          <ac:spMkLst>
+            <pc:docMk/>
+            <pc:sldMk cId="2365666982" sldId="264"/>
+            <ac:spMk id="8" creationId="{56B5C6C2-B6ED-464E-A979-CA8501A88EAE}"/>
+          </ac:spMkLst>
+        </pc:spChg>
+        <pc:picChg chg="add mod">
+          <ac:chgData name="Craig Hall" userId="83e013f9-570f-4443-9159-e4af494bc6db" providerId="ADAL" clId="{F1CB31A8-1D47-4906-8B64-8E98803AD6BA}" dt="2020-01-18T20:26:39.132" v="4746" actId="1076"/>
+          <ac:picMkLst>
+            <pc:docMk/>
+            <pc:sldMk cId="2365666982" sldId="264"/>
+            <ac:picMk id="4" creationId="{DF348E88-00F3-42DA-9F48-8C6F1BFB59F3}"/>
+          </ac:picMkLst>
+        </pc:picChg>
+        <pc:picChg chg="add mod">
+          <ac:chgData name="Craig Hall" userId="83e013f9-570f-4443-9159-e4af494bc6db" providerId="ADAL" clId="{F1CB31A8-1D47-4906-8B64-8E98803AD6BA}" dt="2020-01-18T20:45:21.210" v="4885" actId="1076"/>
+          <ac:picMkLst>
+            <pc:docMk/>
+            <pc:sldMk cId="2365666982" sldId="264"/>
+            <ac:picMk id="6" creationId="{E977CB4F-C58E-4181-AFAE-7AA48212B39E}"/>
+          </ac:picMkLst>
+        </pc:picChg>
+      </pc:sldChg>
+      <pc:sldChg chg="addSp modSp add">
+        <pc:chgData name="Craig Hall" userId="83e013f9-570f-4443-9159-e4af494bc6db" providerId="ADAL" clId="{F1CB31A8-1D47-4906-8B64-8E98803AD6BA}" dt="2020-01-18T20:48:00.981" v="4981" actId="1076"/>
+        <pc:sldMkLst>
+          <pc:docMk/>
+          <pc:sldMk cId="322449419" sldId="265"/>
+        </pc:sldMkLst>
+        <pc:spChg chg="add mod">
+          <ac:chgData name="Craig Hall" userId="83e013f9-570f-4443-9159-e4af494bc6db" providerId="ADAL" clId="{F1CB31A8-1D47-4906-8B64-8E98803AD6BA}" dt="2020-01-18T20:48:00.981" v="4981" actId="1076"/>
+          <ac:spMkLst>
+            <pc:docMk/>
+            <pc:sldMk cId="322449419" sldId="265"/>
+            <ac:spMk id="6" creationId="{F0A953A4-7C0F-4E9A-A197-9EF9E70B6E69}"/>
+          </ac:spMkLst>
+        </pc:spChg>
+        <pc:spChg chg="add mod">
+          <ac:chgData name="Craig Hall" userId="83e013f9-570f-4443-9159-e4af494bc6db" providerId="ADAL" clId="{F1CB31A8-1D47-4906-8B64-8E98803AD6BA}" dt="2020-01-18T20:48:00.553" v="4980" actId="1076"/>
+          <ac:spMkLst>
+            <pc:docMk/>
+            <pc:sldMk cId="322449419" sldId="265"/>
+            <ac:spMk id="7" creationId="{8061E3EA-2930-4DAA-BD3D-1282FD27E4AF}"/>
+          </ac:spMkLst>
+        </pc:spChg>
+        <pc:picChg chg="add mod">
+          <ac:chgData name="Craig Hall" userId="83e013f9-570f-4443-9159-e4af494bc6db" providerId="ADAL" clId="{F1CB31A8-1D47-4906-8B64-8E98803AD6BA}" dt="2020-01-18T20:36:15.591" v="4749" actId="1076"/>
+          <ac:picMkLst>
+            <pc:docMk/>
+            <pc:sldMk cId="322449419" sldId="265"/>
+            <ac:picMk id="3" creationId="{B2C2FE0B-3416-4F6D-9DCB-A5F6C7088E94}"/>
+          </ac:picMkLst>
+        </pc:picChg>
+        <pc:picChg chg="add mod">
+          <ac:chgData name="Craig Hall" userId="83e013f9-570f-4443-9159-e4af494bc6db" providerId="ADAL" clId="{F1CB31A8-1D47-4906-8B64-8E98803AD6BA}" dt="2020-01-18T20:36:50.776" v="4752" actId="1076"/>
+          <ac:picMkLst>
+            <pc:docMk/>
+            <pc:sldMk cId="322449419" sldId="265"/>
+            <ac:picMk id="5" creationId="{EE7392ED-D77B-4203-B891-39B273F43BB8}"/>
+          </ac:picMkLst>
+        </pc:picChg>
       </pc:sldChg>
     </pc:docChg>
   </pc:docChgLst>
@@ -346,7 +583,7 @@
           <a:p>
             <a:fld id="{AD196480-F0D9-44F8-BC66-32B47A877762}" type="datetimeFigureOut">
               <a:rPr lang="en-US" smtClean="0"/>
-              <a:t>1/16/2020</a:t>
+              <a:t>1/18/2020</a:t>
             </a:fld>
             <a:endParaRPr lang="en-US"/>
           </a:p>
@@ -516,7 +753,7 @@
           <a:p>
             <a:fld id="{AD196480-F0D9-44F8-BC66-32B47A877762}" type="datetimeFigureOut">
               <a:rPr lang="en-US" smtClean="0"/>
-              <a:t>1/16/2020</a:t>
+              <a:t>1/18/2020</a:t>
             </a:fld>
             <a:endParaRPr lang="en-US"/>
           </a:p>
@@ -696,7 +933,7 @@
           <a:p>
             <a:fld id="{AD196480-F0D9-44F8-BC66-32B47A877762}" type="datetimeFigureOut">
               <a:rPr lang="en-US" smtClean="0"/>
-              <a:t>1/16/2020</a:t>
+              <a:t>1/18/2020</a:t>
             </a:fld>
             <a:endParaRPr lang="en-US"/>
           </a:p>
@@ -866,7 +1103,7 @@
           <a:p>
             <a:fld id="{AD196480-F0D9-44F8-BC66-32B47A877762}" type="datetimeFigureOut">
               <a:rPr lang="en-US" smtClean="0"/>
-              <a:t>1/16/2020</a:t>
+              <a:t>1/18/2020</a:t>
             </a:fld>
             <a:endParaRPr lang="en-US"/>
           </a:p>
@@ -1110,7 +1347,7 @@
           <a:p>
             <a:fld id="{AD196480-F0D9-44F8-BC66-32B47A877762}" type="datetimeFigureOut">
               <a:rPr lang="en-US" smtClean="0"/>
-              <a:t>1/16/2020</a:t>
+              <a:t>1/18/2020</a:t>
             </a:fld>
             <a:endParaRPr lang="en-US"/>
           </a:p>
@@ -1342,7 +1579,7 @@
           <a:p>
             <a:fld id="{AD196480-F0D9-44F8-BC66-32B47A877762}" type="datetimeFigureOut">
               <a:rPr lang="en-US" smtClean="0"/>
-              <a:t>1/16/2020</a:t>
+              <a:t>1/18/2020</a:t>
             </a:fld>
             <a:endParaRPr lang="en-US"/>
           </a:p>
@@ -1709,7 +1946,7 @@
           <a:p>
             <a:fld id="{AD196480-F0D9-44F8-BC66-32B47A877762}" type="datetimeFigureOut">
               <a:rPr lang="en-US" smtClean="0"/>
-              <a:t>1/16/2020</a:t>
+              <a:t>1/18/2020</a:t>
             </a:fld>
             <a:endParaRPr lang="en-US"/>
           </a:p>
@@ -1827,7 +2064,7 @@
           <a:p>
             <a:fld id="{AD196480-F0D9-44F8-BC66-32B47A877762}" type="datetimeFigureOut">
               <a:rPr lang="en-US" smtClean="0"/>
-              <a:t>1/16/2020</a:t>
+              <a:t>1/18/2020</a:t>
             </a:fld>
             <a:endParaRPr lang="en-US"/>
           </a:p>
@@ -1922,7 +2159,7 @@
           <a:p>
             <a:fld id="{AD196480-F0D9-44F8-BC66-32B47A877762}" type="datetimeFigureOut">
               <a:rPr lang="en-US" smtClean="0"/>
-              <a:t>1/16/2020</a:t>
+              <a:t>1/18/2020</a:t>
             </a:fld>
             <a:endParaRPr lang="en-US"/>
           </a:p>
@@ -2199,7 +2436,7 @@
           <a:p>
             <a:fld id="{AD196480-F0D9-44F8-BC66-32B47A877762}" type="datetimeFigureOut">
               <a:rPr lang="en-US" smtClean="0"/>
-              <a:t>1/16/2020</a:t>
+              <a:t>1/18/2020</a:t>
             </a:fld>
             <a:endParaRPr lang="en-US"/>
           </a:p>
@@ -2456,7 +2693,7 @@
           <a:p>
             <a:fld id="{AD196480-F0D9-44F8-BC66-32B47A877762}" type="datetimeFigureOut">
               <a:rPr lang="en-US" smtClean="0"/>
-              <a:t>1/16/2020</a:t>
+              <a:t>1/18/2020</a:t>
             </a:fld>
             <a:endParaRPr lang="en-US"/>
           </a:p>
@@ -2669,7 +2906,7 @@
           <a:p>
             <a:fld id="{AD196480-F0D9-44F8-BC66-32B47A877762}" type="datetimeFigureOut">
               <a:rPr lang="en-US" smtClean="0"/>
-              <a:t>1/16/2020</a:t>
+              <a:t>1/18/2020</a:t>
             </a:fld>
             <a:endParaRPr lang="en-US"/>
           </a:p>
@@ -4890,6 +5127,270 @@
 </p:sld>
 </file>
 
+<file path=ppt/slides/slide10.xml><?xml version="1.0" encoding="utf-8"?>
+<p:sld xmlns:a="http://schemas.openxmlformats.org/drawingml/2006/main" xmlns:r="http://schemas.openxmlformats.org/officeDocument/2006/relationships" xmlns:p="http://schemas.openxmlformats.org/presentationml/2006/main">
+  <p:cSld>
+    <p:spTree>
+      <p:nvGrpSpPr>
+        <p:cNvPr id="1" name=""/>
+        <p:cNvGrpSpPr/>
+        <p:nvPr/>
+      </p:nvGrpSpPr>
+      <p:grpSpPr>
+        <a:xfrm>
+          <a:off x="0" y="0"/>
+          <a:ext cx="0" cy="0"/>
+          <a:chOff x="0" y="0"/>
+          <a:chExt cx="0" cy="0"/>
+        </a:xfrm>
+      </p:grpSpPr>
+      <p:pic>
+        <p:nvPicPr>
+          <p:cNvPr id="5122" name="Picture 2" descr="Related image">
+            <a:extLst>
+              <a:ext uri="{FF2B5EF4-FFF2-40B4-BE49-F238E27FC236}">
+                <a16:creationId xmlns:a16="http://schemas.microsoft.com/office/drawing/2014/main" id="{6DC4224E-5A7D-41ED-BA82-203EBF48C63C}"/>
+              </a:ext>
+            </a:extLst>
+          </p:cNvPr>
+          <p:cNvPicPr>
+            <a:picLocks noChangeAspect="1" noChangeArrowheads="1"/>
+          </p:cNvPicPr>
+          <p:nvPr/>
+        </p:nvPicPr>
+        <p:blipFill>
+          <a:blip r:embed="rId2">
+            <a:alphaModFix amt="85000"/>
+            <a:extLst>
+              <a:ext uri="{28A0092B-C50C-407E-A947-70E740481C1C}">
+                <a14:useLocalDpi xmlns:a14="http://schemas.microsoft.com/office/drawing/2010/main" val="0"/>
+              </a:ext>
+            </a:extLst>
+          </a:blip>
+          <a:srcRect/>
+          <a:stretch>
+            <a:fillRect/>
+          </a:stretch>
+        </p:blipFill>
+        <p:spPr bwMode="auto">
+          <a:xfrm>
+            <a:off x="-725588" y="-544192"/>
+            <a:ext cx="9869588" cy="7402192"/>
+          </a:xfrm>
+          <a:prstGeom prst="rect">
+            <a:avLst/>
+          </a:prstGeom>
+          <a:noFill/>
+          <a:extLst>
+            <a:ext uri="{909E8E84-426E-40DD-AFC4-6F175D3DCCD1}">
+              <a14:hiddenFill xmlns:a14="http://schemas.microsoft.com/office/drawing/2010/main">
+                <a:solidFill>
+                  <a:srgbClr val="FFFFFF"/>
+                </a:solidFill>
+              </a14:hiddenFill>
+            </a:ext>
+          </a:extLst>
+        </p:spPr>
+      </p:pic>
+      <p:sp>
+        <p:nvSpPr>
+          <p:cNvPr id="2" name="TextBox 1">
+            <a:extLst>
+              <a:ext uri="{FF2B5EF4-FFF2-40B4-BE49-F238E27FC236}">
+                <a16:creationId xmlns:a16="http://schemas.microsoft.com/office/drawing/2014/main" id="{ABFE6021-6FE4-4DFB-979F-74E1B00EAE72}"/>
+              </a:ext>
+            </a:extLst>
+          </p:cNvPr>
+          <p:cNvSpPr txBox="1"/>
+          <p:nvPr/>
+        </p:nvSpPr>
+        <p:spPr>
+          <a:xfrm>
+            <a:off x="4909352" y="130829"/>
+            <a:ext cx="3879542" cy="369332"/>
+          </a:xfrm>
+          <a:prstGeom prst="rect">
+            <a:avLst/>
+          </a:prstGeom>
+          <a:noFill/>
+        </p:spPr>
+        <p:txBody>
+          <a:bodyPr wrap="square" rtlCol="0">
+            <a:spAutoFit/>
+          </a:bodyPr>
+          <a:lstStyle/>
+          <a:p>
+            <a:pPr algn="ctr"/>
+            <a:r>
+              <a:rPr lang="en-US" b="1" dirty="0">
+                <a:solidFill>
+                  <a:schemeClr val="bg1"/>
+                </a:solidFill>
+              </a:rPr>
+              <a:t>SUMMARY: ETL</a:t>
+            </a:r>
+          </a:p>
+        </p:txBody>
+      </p:sp>
+      <p:sp>
+        <p:nvSpPr>
+          <p:cNvPr id="3" name="TextBox 2">
+            <a:extLst>
+              <a:ext uri="{FF2B5EF4-FFF2-40B4-BE49-F238E27FC236}">
+                <a16:creationId xmlns:a16="http://schemas.microsoft.com/office/drawing/2014/main" id="{2A97ED60-D883-41EA-8E9B-A6187659FADC}"/>
+              </a:ext>
+            </a:extLst>
+          </p:cNvPr>
+          <p:cNvSpPr txBox="1"/>
+          <p:nvPr/>
+        </p:nvSpPr>
+        <p:spPr>
+          <a:xfrm>
+            <a:off x="5166804" y="506027"/>
+            <a:ext cx="3551068" cy="6186309"/>
+          </a:xfrm>
+          <a:prstGeom prst="rect">
+            <a:avLst/>
+          </a:prstGeom>
+          <a:solidFill>
+            <a:srgbClr val="000000">
+              <a:alpha val="40000"/>
+            </a:srgbClr>
+          </a:solidFill>
+        </p:spPr>
+        <p:txBody>
+          <a:bodyPr wrap="square" rtlCol="0">
+            <a:spAutoFit/>
+          </a:bodyPr>
+          <a:lstStyle/>
+          <a:p>
+            <a:r>
+              <a:rPr lang="en-US" dirty="0">
+                <a:solidFill>
+                  <a:schemeClr val="bg1"/>
+                </a:solidFill>
+              </a:rPr>
+              <a:t>E – Extracted data from :</a:t>
+            </a:r>
+          </a:p>
+          <a:p>
+            <a:pPr marL="742950" lvl="1" indent="-285750">
+              <a:buFont typeface="Arial" panose="020B0604020202020204" pitchFamily="34" charset="0"/>
+              <a:buChar char="•"/>
+            </a:pPr>
+            <a:r>
+              <a:rPr lang="en-US" dirty="0">
+                <a:solidFill>
+                  <a:schemeClr val="bg1"/>
+                </a:solidFill>
+              </a:rPr>
+              <a:t>Zillow (CSV)</a:t>
+            </a:r>
+          </a:p>
+          <a:p>
+            <a:pPr marL="742950" lvl="1" indent="-285750">
+              <a:buFont typeface="Arial" panose="020B0604020202020204" pitchFamily="34" charset="0"/>
+              <a:buChar char="•"/>
+            </a:pPr>
+            <a:r>
+              <a:rPr lang="en-US" dirty="0">
+                <a:solidFill>
+                  <a:schemeClr val="bg1"/>
+                </a:solidFill>
+              </a:rPr>
+              <a:t>Census.gov (CSV)</a:t>
+            </a:r>
+          </a:p>
+          <a:p>
+            <a:pPr marL="742950" lvl="1" indent="-285750">
+              <a:buFont typeface="Arial" panose="020B0604020202020204" pitchFamily="34" charset="0"/>
+              <a:buChar char="•"/>
+            </a:pPr>
+            <a:r>
+              <a:rPr lang="en-US" dirty="0">
+                <a:solidFill>
+                  <a:schemeClr val="bg1"/>
+                </a:solidFill>
+              </a:rPr>
+              <a:t>Yelp </a:t>
+            </a:r>
+            <a:r>
+              <a:rPr lang="en-US">
+                <a:solidFill>
+                  <a:schemeClr val="bg1"/>
+                </a:solidFill>
+              </a:rPr>
+              <a:t>(programmed API </a:t>
+            </a:r>
+            <a:r>
+              <a:rPr lang="en-US" dirty="0">
+                <a:solidFill>
+                  <a:schemeClr val="bg1"/>
+                </a:solidFill>
+              </a:rPr>
+              <a:t>call)</a:t>
+            </a:r>
+          </a:p>
+          <a:p>
+            <a:pPr marL="742950" lvl="1" indent="-285750">
+              <a:buFont typeface="Arial" panose="020B0604020202020204" pitchFamily="34" charset="0"/>
+              <a:buChar char="•"/>
+            </a:pPr>
+            <a:endParaRPr lang="en-US" dirty="0">
+              <a:solidFill>
+                <a:schemeClr val="bg1"/>
+              </a:solidFill>
+            </a:endParaRPr>
+          </a:p>
+          <a:p>
+            <a:r>
+              <a:rPr lang="en-US" dirty="0">
+                <a:solidFill>
+                  <a:schemeClr val="bg1"/>
+                </a:solidFill>
+              </a:rPr>
+              <a:t>T – transformed all data by deleting unnecessary columns, removing rows with NAN data, joined data from the three data sources</a:t>
+            </a:r>
+          </a:p>
+          <a:p>
+            <a:endParaRPr lang="en-US" dirty="0">
+              <a:solidFill>
+                <a:schemeClr val="bg1"/>
+              </a:solidFill>
+            </a:endParaRPr>
+          </a:p>
+          <a:p>
+            <a:r>
+              <a:rPr lang="en-US" dirty="0">
+                <a:solidFill>
+                  <a:schemeClr val="bg1"/>
+                </a:solidFill>
+              </a:rPr>
+              <a:t>L – Loaded all data into SQL database.  We chose SQL database because the data we are utilizing is dynamic, and can change frequently.  By using SQL and the code we wrote, we would be able to pull this information at any point in time and easily update the restaurant or housing data, and could look at the correlation over a long period of time. </a:t>
+            </a:r>
+          </a:p>
+          <a:p>
+            <a:endParaRPr lang="en-US" dirty="0">
+              <a:solidFill>
+                <a:schemeClr val="bg1"/>
+              </a:solidFill>
+            </a:endParaRPr>
+          </a:p>
+        </p:txBody>
+      </p:sp>
+    </p:spTree>
+    <p:extLst>
+      <p:ext uri="{BB962C8B-B14F-4D97-AF65-F5344CB8AC3E}">
+        <p14:creationId xmlns:p14="http://schemas.microsoft.com/office/powerpoint/2010/main" val="3316736245"/>
+      </p:ext>
+    </p:extLst>
+  </p:cSld>
+  <p:clrMapOvr>
+    <a:masterClrMapping/>
+  </p:clrMapOvr>
+</p:sld>
+</file>
+
 <file path=ppt/slides/slide2.xml><?xml version="1.0" encoding="utf-8"?>
 <p:sld xmlns:a="http://schemas.openxmlformats.org/drawingml/2006/main" xmlns:r="http://schemas.openxmlformats.org/officeDocument/2006/relationships" xmlns:p="http://schemas.openxmlformats.org/presentationml/2006/main">
   <p:cSld>
@@ -5080,7 +5581,7 @@
             <a:pPr algn="ctr"/>
             <a:r>
               <a:rPr lang="en-US" dirty="0"/>
-              <a:t>the number of restaurants in a zip code and gentrification.  </a:t>
+              <a:t>the prices that restaurants charge and gentrification.  </a:t>
             </a:r>
           </a:p>
         </p:txBody>
@@ -5174,7 +5675,7 @@
         </p:blipFill>
         <p:spPr bwMode="auto">
           <a:xfrm>
-            <a:off x="6290" y="3284738"/>
+            <a:off x="6290" y="3062796"/>
             <a:ext cx="9134422" cy="3763599"/>
           </a:xfrm>
           <a:prstGeom prst="rect">
@@ -5206,8 +5707,8 @@
         </p:nvSpPr>
         <p:spPr>
           <a:xfrm>
-            <a:off x="305138" y="2627790"/>
-            <a:ext cx="8403856" cy="923330"/>
+            <a:off x="305138" y="2240399"/>
+            <a:ext cx="8403856" cy="1929759"/>
           </a:xfrm>
           <a:prstGeom prst="rect">
             <a:avLst/>
@@ -5222,7 +5723,16 @@
           <a:p>
             <a:r>
               <a:rPr lang="en-US" dirty="0"/>
-              <a:t>We theorized that neighborhoods in the process of being gentrified may be identified by examining zip codes where rental rates and the asking price of homes and condos are significantly higher than the fair market value.</a:t>
+              <a:t>We theorized we could identify gentrified neighborhoods by examining zip codes where average rental rates account for more than 30% of the average income in those same zip codes (using the 30% rule-of-thumb for “income spent on rent” as a standard).  </a:t>
+            </a:r>
+          </a:p>
+          <a:p>
+            <a:endParaRPr lang="en-US" dirty="0"/>
+          </a:p>
+          <a:p>
+            <a:r>
+              <a:rPr lang="en-US" dirty="0"/>
+              <a:t>We would then examine the price indexes for restaurants in those neighborhoods to determine a correlation. </a:t>
             </a:r>
           </a:p>
         </p:txBody>
@@ -5352,8 +5862,8 @@
         </p:nvSpPr>
         <p:spPr>
           <a:xfrm>
-            <a:off x="4447712" y="807869"/>
-            <a:ext cx="4696287" cy="5632311"/>
+            <a:off x="4447712" y="585919"/>
+            <a:ext cx="4696287" cy="6170920"/>
           </a:xfrm>
           <a:prstGeom prst="rect">
             <a:avLst/>
@@ -5371,36 +5881,20 @@
               <a:buChar char="•"/>
             </a:pPr>
             <a:r>
-              <a:rPr lang="en-US" sz="1600" dirty="0"/>
-              <a:t>Zillow – downloaded CSV of zip codes in Miami, “</a:t>
-            </a:r>
-            <a:r>
-              <a:rPr lang="en-US" sz="1600" dirty="0" err="1"/>
-              <a:t>Zestimates</a:t>
-            </a:r>
-            <a:r>
-              <a:rPr lang="en-US" sz="1600" dirty="0"/>
-              <a:t>®” (Zillow’s value estimates), rental rates.  Imported into Python. Removed </a:t>
-            </a:r>
-            <a:r>
-              <a:rPr lang="en-US" sz="1600" dirty="0" err="1"/>
-              <a:t>uneccesary</a:t>
-            </a:r>
-            <a:r>
-              <a:rPr lang="en-US" sz="1600" dirty="0"/>
-              <a:t> columns, and zip codes with </a:t>
-            </a:r>
-            <a:r>
-              <a:rPr lang="en-US" sz="1600" dirty="0" err="1"/>
+              <a:rPr lang="en-US" sz="1400" dirty="0"/>
+              <a:t>Zillow – downloaded CSV of home and rent values in Miami.  Imported into Python. Removed unnecessary columns, and zip codes with </a:t>
+            </a:r>
+            <a:r>
+              <a:rPr lang="en-US" sz="1400" dirty="0" err="1"/>
               <a:t>NaN</a:t>
             </a:r>
             <a:r>
-              <a:rPr lang="en-US" sz="1600" dirty="0"/>
+              <a:rPr lang="en-US" sz="1400" dirty="0"/>
               <a:t> values.   </a:t>
             </a:r>
           </a:p>
           <a:p>
-            <a:endParaRPr lang="en-US" sz="2400" dirty="0"/>
+            <a:endParaRPr lang="en-US" sz="900" dirty="0"/>
           </a:p>
           <a:p>
             <a:pPr marL="342900" indent="-342900">
@@ -5408,8 +5902,8 @@
               <a:buChar char="•"/>
             </a:pPr>
             <a:r>
-              <a:rPr lang="en-US" sz="1600" dirty="0"/>
-              <a:t>Census.gov – downloaded CSV of census data for home values for zip codes in Miami-Dade.  Imported into Python; used Pandas to clean and transform the list.</a:t>
+              <a:rPr lang="en-US" sz="1400" dirty="0"/>
+              <a:t>Census.gov – downloaded CSV of census data for average income by census tract in Miami-Dade.  Imported into Python; used Pandas to clean and transform the list.</a:t>
             </a:r>
           </a:p>
           <a:p>
@@ -5417,7 +5911,7 @@
               <a:buFont typeface="Arial" panose="020B0604020202020204" pitchFamily="34" charset="0"/>
               <a:buChar char="•"/>
             </a:pPr>
-            <a:endParaRPr lang="en-US" sz="1600" dirty="0"/>
+            <a:endParaRPr lang="en-US" sz="900" dirty="0"/>
           </a:p>
           <a:p>
             <a:pPr marL="342900" indent="-342900">
@@ -5425,8 +5919,8 @@
               <a:buChar char="•"/>
             </a:pPr>
             <a:r>
-              <a:rPr lang="en-US" sz="1600" dirty="0"/>
-              <a:t>Yelp – made API call to Yelp to pull restaurant name, address, zip code, and price index.  </a:t>
+              <a:rPr lang="en-US" sz="1400" dirty="0"/>
+              <a:t>Used Pandas to join the rental rates by zip code with the average income per zip code.  From this joined data frame we created a “disparity” list: the 30 zip codes in Miami in which the rental rates most exceeded 30% of the average income. </a:t>
             </a:r>
           </a:p>
           <a:p>
@@ -5434,7 +5928,7 @@
               <a:buFont typeface="Arial" panose="020B0604020202020204" pitchFamily="34" charset="0"/>
               <a:buChar char="•"/>
             </a:pPr>
-            <a:endParaRPr lang="en-US" sz="1600" dirty="0"/>
+            <a:endParaRPr lang="en-US" sz="900" dirty="0"/>
           </a:p>
           <a:p>
             <a:pPr marL="342900" indent="-342900">
@@ -5442,21 +5936,16 @@
               <a:buChar char="•"/>
             </a:pPr>
             <a:r>
-              <a:rPr lang="en-US" sz="1600" dirty="0"/>
-              <a:t>Used Pandas to join the data, and created a </a:t>
-            </a:r>
-            <a:r>
-              <a:rPr lang="en-US" sz="1600"/>
-              <a:t>PostgreSQL database.   </a:t>
-            </a:r>
-            <a:endParaRPr lang="en-US" sz="1600" dirty="0"/>
+              <a:rPr lang="en-US" sz="1400" dirty="0"/>
+              <a:t>Created SQL database to store all of the individual lists</a:t>
+            </a:r>
           </a:p>
           <a:p>
             <a:pPr marL="342900" indent="-342900">
               <a:buFont typeface="Arial" panose="020B0604020202020204" pitchFamily="34" charset="0"/>
               <a:buChar char="•"/>
             </a:pPr>
-            <a:endParaRPr lang="en-US" sz="1600" dirty="0"/>
+            <a:endParaRPr lang="en-US" sz="900" dirty="0"/>
           </a:p>
           <a:p>
             <a:pPr marL="342900" indent="-342900">
@@ -5464,16 +5953,45 @@
               <a:buChar char="•"/>
             </a:pPr>
             <a:r>
-              <a:rPr lang="en-US" sz="1600" dirty="0"/>
+              <a:rPr lang="en-US" sz="1400" dirty="0"/>
+              <a:t>Yelp – made API call to Yelp to pull restaurant name, address, zip code, and price index for each of the zip codes on our disparity list.  </a:t>
+            </a:r>
+          </a:p>
+          <a:p>
+            <a:endParaRPr lang="en-US" sz="900" dirty="0"/>
+          </a:p>
+          <a:p>
+            <a:pPr marL="342900" indent="-342900">
+              <a:buFont typeface="Arial" panose="020B0604020202020204" pitchFamily="34" charset="0"/>
+              <a:buChar char="•"/>
+            </a:pPr>
+            <a:r>
+              <a:rPr lang="en-US" sz="1400" dirty="0"/>
+              <a:t>Used Pandas to join the restaurant data with the disparity list, so we could examine the price index of restaurants in the neighborhoods with the highest disparity.  Created a PostgreSQL database. </a:t>
+            </a:r>
+          </a:p>
+          <a:p>
+            <a:r>
+              <a:rPr lang="en-US" sz="1400" dirty="0"/>
+              <a:t>   </a:t>
+            </a:r>
+          </a:p>
+          <a:p>
+            <a:pPr marL="342900" indent="-342900">
+              <a:buFont typeface="Arial" panose="020B0604020202020204" pitchFamily="34" charset="0"/>
+              <a:buChar char="•"/>
+            </a:pPr>
+            <a:r>
+              <a:rPr lang="en-US" sz="1400" dirty="0"/>
               <a:t># With additional time, would use </a:t>
             </a:r>
             <a:r>
-              <a:rPr lang="en-US" sz="1600" dirty="0" err="1"/>
+              <a:rPr lang="en-US" sz="1400" dirty="0" err="1"/>
               <a:t>MatPlotLib</a:t>
             </a:r>
             <a:r>
-              <a:rPr lang="en-US" sz="1600" dirty="0"/>
-              <a:t> to chart the neighborhoods with the highest difference between actual value and asking/selling prices, overlaid with the number of restaurants in those neighborhoods (compared to the average number of restaurants per zip code). </a:t>
+              <a:rPr lang="en-US" sz="1400" dirty="0"/>
+              <a:t> to chart the 30 neighborhoods with the highest disparity values and the prices of restaurants in those neighborhoods to chart the correlation between average restaurant price and neighborhoods identified as “gentrified.”     </a:t>
             </a:r>
           </a:p>
         </p:txBody>
@@ -5492,227 +6010,6 @@
 </file>
 
 <file path=ppt/slides/slide5.xml><?xml version="1.0" encoding="utf-8"?>
-<p:sld xmlns:a="http://schemas.openxmlformats.org/drawingml/2006/main" xmlns:r="http://schemas.openxmlformats.org/officeDocument/2006/relationships" xmlns:p="http://schemas.openxmlformats.org/presentationml/2006/main">
-  <p:cSld>
-    <p:spTree>
-      <p:nvGrpSpPr>
-        <p:cNvPr id="1" name=""/>
-        <p:cNvGrpSpPr/>
-        <p:nvPr/>
-      </p:nvGrpSpPr>
-      <p:grpSpPr>
-        <a:xfrm>
-          <a:off x="0" y="0"/>
-          <a:ext cx="0" cy="0"/>
-          <a:chOff x="0" y="0"/>
-          <a:chExt cx="0" cy="0"/>
-        </a:xfrm>
-      </p:grpSpPr>
-      <p:sp>
-        <p:nvSpPr>
-          <p:cNvPr id="3" name="Rectangle 2">
-            <a:extLst>
-              <a:ext uri="{FF2B5EF4-FFF2-40B4-BE49-F238E27FC236}">
-                <a16:creationId xmlns:a16="http://schemas.microsoft.com/office/drawing/2014/main" id="{951565EE-56E1-4D07-A298-842A9721081A}"/>
-              </a:ext>
-            </a:extLst>
-          </p:cNvPr>
-          <p:cNvSpPr/>
-          <p:nvPr/>
-        </p:nvSpPr>
-        <p:spPr>
-          <a:xfrm>
-            <a:off x="0" y="0"/>
-            <a:ext cx="9144000" cy="6858000"/>
-          </a:xfrm>
-          <a:prstGeom prst="rect">
-            <a:avLst/>
-          </a:prstGeom>
-          <a:solidFill>
-            <a:schemeClr val="bg1">
-              <a:lumMod val="95000"/>
-            </a:schemeClr>
-          </a:solidFill>
-        </p:spPr>
-        <p:style>
-          <a:lnRef idx="2">
-            <a:schemeClr val="accent1">
-              <a:shade val="50000"/>
-            </a:schemeClr>
-          </a:lnRef>
-          <a:fillRef idx="1">
-            <a:schemeClr val="accent1"/>
-          </a:fillRef>
-          <a:effectRef idx="0">
-            <a:schemeClr val="accent1"/>
-          </a:effectRef>
-          <a:fontRef idx="minor">
-            <a:schemeClr val="lt1"/>
-          </a:fontRef>
-        </p:style>
-        <p:txBody>
-          <a:bodyPr rtlCol="0" anchor="ctr"/>
-          <a:lstStyle/>
-          <a:p>
-            <a:pPr algn="ctr"/>
-            <a:endParaRPr lang="en-US"/>
-          </a:p>
-        </p:txBody>
-      </p:sp>
-      <p:pic>
-        <p:nvPicPr>
-          <p:cNvPr id="2" name="Picture 1">
-            <a:extLst>
-              <a:ext uri="{FF2B5EF4-FFF2-40B4-BE49-F238E27FC236}">
-                <a16:creationId xmlns:a16="http://schemas.microsoft.com/office/drawing/2014/main" id="{E97A1896-B084-4205-A007-9A48DD3F1EBD}"/>
-              </a:ext>
-            </a:extLst>
-          </p:cNvPr>
-          <p:cNvPicPr>
-            <a:picLocks noChangeAspect="1"/>
-          </p:cNvPicPr>
-          <p:nvPr/>
-        </p:nvPicPr>
-        <p:blipFill>
-          <a:blip r:embed="rId2"/>
-          <a:stretch>
-            <a:fillRect/>
-          </a:stretch>
-        </p:blipFill>
-        <p:spPr>
-          <a:xfrm>
-            <a:off x="-1" y="0"/>
-            <a:ext cx="5186531" cy="5548544"/>
-          </a:xfrm>
-          <a:prstGeom prst="rect">
-            <a:avLst/>
-          </a:prstGeom>
-        </p:spPr>
-      </p:pic>
-      <p:pic>
-        <p:nvPicPr>
-          <p:cNvPr id="4" name="Picture 3">
-            <a:extLst>
-              <a:ext uri="{FF2B5EF4-FFF2-40B4-BE49-F238E27FC236}">
-                <a16:creationId xmlns:a16="http://schemas.microsoft.com/office/drawing/2014/main" id="{7FB5AC0F-D372-4ADD-BCE4-EBBE518B841B}"/>
-              </a:ext>
-            </a:extLst>
-          </p:cNvPr>
-          <p:cNvPicPr>
-            <a:picLocks noChangeAspect="1"/>
-          </p:cNvPicPr>
-          <p:nvPr/>
-        </p:nvPicPr>
-        <p:blipFill>
-          <a:blip r:embed="rId3"/>
-          <a:stretch>
-            <a:fillRect/>
-          </a:stretch>
-        </p:blipFill>
-        <p:spPr>
-          <a:xfrm>
-            <a:off x="4146296" y="2601157"/>
-            <a:ext cx="4997703" cy="4193149"/>
-          </a:xfrm>
-          <a:prstGeom prst="rect">
-            <a:avLst/>
-          </a:prstGeom>
-        </p:spPr>
-      </p:pic>
-      <p:sp>
-        <p:nvSpPr>
-          <p:cNvPr id="5" name="TextBox 4">
-            <a:extLst>
-              <a:ext uri="{FF2B5EF4-FFF2-40B4-BE49-F238E27FC236}">
-                <a16:creationId xmlns:a16="http://schemas.microsoft.com/office/drawing/2014/main" id="{658F379A-11ED-4271-AB85-593202473BDD}"/>
-              </a:ext>
-            </a:extLst>
-          </p:cNvPr>
-          <p:cNvSpPr txBox="1"/>
-          <p:nvPr/>
-        </p:nvSpPr>
-        <p:spPr>
-          <a:xfrm>
-            <a:off x="506027" y="5548543"/>
-            <a:ext cx="2974020" cy="646331"/>
-          </a:xfrm>
-          <a:prstGeom prst="rect">
-            <a:avLst/>
-          </a:prstGeom>
-          <a:noFill/>
-        </p:spPr>
-        <p:txBody>
-          <a:bodyPr wrap="square" rtlCol="0">
-            <a:spAutoFit/>
-          </a:bodyPr>
-          <a:lstStyle/>
-          <a:p>
-            <a:pPr algn="ctr"/>
-            <a:r>
-              <a:rPr lang="en-US" sz="1200" dirty="0"/>
-              <a:t>Example of Python code creating empty lists and cycling through Yelp API to grab restaurant information</a:t>
-            </a:r>
-          </a:p>
-        </p:txBody>
-      </p:sp>
-      <p:sp>
-        <p:nvSpPr>
-          <p:cNvPr id="6" name="TextBox 5">
-            <a:extLst>
-              <a:ext uri="{FF2B5EF4-FFF2-40B4-BE49-F238E27FC236}">
-                <a16:creationId xmlns:a16="http://schemas.microsoft.com/office/drawing/2014/main" id="{96F6AA98-3845-4E8B-A05B-E3015D373B62}"/>
-              </a:ext>
-            </a:extLst>
-          </p:cNvPr>
-          <p:cNvSpPr txBox="1"/>
-          <p:nvPr/>
-        </p:nvSpPr>
-        <p:spPr>
-          <a:xfrm>
-            <a:off x="5274816" y="2324158"/>
-            <a:ext cx="2974020" cy="276999"/>
-          </a:xfrm>
-          <a:prstGeom prst="rect">
-            <a:avLst/>
-          </a:prstGeom>
-          <a:noFill/>
-        </p:spPr>
-        <p:txBody>
-          <a:bodyPr wrap="square" rtlCol="0">
-            <a:spAutoFit/>
-          </a:bodyPr>
-          <a:lstStyle/>
-          <a:p>
-            <a:pPr algn="ctr"/>
-            <a:r>
-              <a:rPr lang="en-US" sz="1200" dirty="0"/>
-              <a:t>List results retrieved </a:t>
-            </a:r>
-            <a:r>
-              <a:rPr lang="en-US" sz="1200"/>
-              <a:t>from Yelp API </a:t>
-            </a:r>
-            <a:r>
-              <a:rPr lang="en-US" sz="1200" dirty="0"/>
-              <a:t>call</a:t>
-            </a:r>
-          </a:p>
-        </p:txBody>
-      </p:sp>
-    </p:spTree>
-    <p:extLst>
-      <p:ext uri="{BB962C8B-B14F-4D97-AF65-F5344CB8AC3E}">
-        <p14:creationId xmlns:p14="http://schemas.microsoft.com/office/powerpoint/2010/main" val="207020869"/>
-      </p:ext>
-    </p:extLst>
-  </p:cSld>
-  <p:clrMapOvr>
-    <a:masterClrMapping/>
-  </p:clrMapOvr>
-</p:sld>
-</file>
-
-<file path=ppt/slides/slide6.xml><?xml version="1.0" encoding="utf-8"?>
 <p:sld xmlns:a="http://schemas.openxmlformats.org/drawingml/2006/main" xmlns:r="http://schemas.openxmlformats.org/officeDocument/2006/relationships" xmlns:p="http://schemas.openxmlformats.org/presentationml/2006/main">
   <p:cSld>
     <p:spTree>
@@ -6445,7 +6742,7 @@
 </p:sld>
 </file>
 
-<file path=ppt/slides/slide7.xml><?xml version="1.0" encoding="utf-8"?>
+<file path=ppt/slides/slide6.xml><?xml version="1.0" encoding="utf-8"?>
 <p:sld xmlns:a="http://schemas.openxmlformats.org/drawingml/2006/main" xmlns:r="http://schemas.openxmlformats.org/officeDocument/2006/relationships" xmlns:p="http://schemas.openxmlformats.org/presentationml/2006/main">
   <p:cSld>
     <p:spTree>
@@ -6464,58 +6761,76 @@
       </p:grpSpPr>
       <p:pic>
         <p:nvPicPr>
-          <p:cNvPr id="5122" name="Picture 2" descr="Related image">
+          <p:cNvPr id="4" name="Picture 3">
             <a:extLst>
               <a:ext uri="{FF2B5EF4-FFF2-40B4-BE49-F238E27FC236}">
-                <a16:creationId xmlns:a16="http://schemas.microsoft.com/office/drawing/2014/main" id="{6DC4224E-5A7D-41ED-BA82-203EBF48C63C}"/>
+                <a16:creationId xmlns:a16="http://schemas.microsoft.com/office/drawing/2014/main" id="{DF348E88-00F3-42DA-9F48-8C6F1BFB59F3}"/>
               </a:ext>
             </a:extLst>
           </p:cNvPr>
           <p:cNvPicPr>
-            <a:picLocks noChangeAspect="1" noChangeArrowheads="1"/>
+            <a:picLocks noChangeAspect="1"/>
           </p:cNvPicPr>
           <p:nvPr/>
         </p:nvPicPr>
         <p:blipFill>
-          <a:blip r:embed="rId2">
-            <a:alphaModFix amt="85000"/>
-            <a:extLst>
-              <a:ext uri="{28A0092B-C50C-407E-A947-70E740481C1C}">
-                <a14:useLocalDpi xmlns:a14="http://schemas.microsoft.com/office/drawing/2010/main" val="0"/>
-              </a:ext>
-            </a:extLst>
-          </a:blip>
-          <a:srcRect/>
+          <a:blip r:embed="rId2"/>
           <a:stretch>
             <a:fillRect/>
           </a:stretch>
         </p:blipFill>
-        <p:spPr bwMode="auto">
+        <p:spPr>
           <a:xfrm>
-            <a:off x="-725588" y="-544192"/>
-            <a:ext cx="9869588" cy="7402192"/>
+            <a:off x="88776" y="93756"/>
+            <a:ext cx="6649375" cy="3430419"/>
           </a:xfrm>
           <a:prstGeom prst="rect">
             <a:avLst/>
           </a:prstGeom>
-          <a:noFill/>
-          <a:extLst>
-            <a:ext uri="{909E8E84-426E-40DD-AFC4-6F175D3DCCD1}">
-              <a14:hiddenFill xmlns:a14="http://schemas.microsoft.com/office/drawing/2010/main">
-                <a:solidFill>
-                  <a:srgbClr val="FFFFFF"/>
-                </a:solidFill>
-              </a14:hiddenFill>
-            </a:ext>
-          </a:extLst>
         </p:spPr>
       </p:pic>
-      <p:sp>
-        <p:nvSpPr>
-          <p:cNvPr id="2" name="TextBox 1">
+      <p:pic>
+        <p:nvPicPr>
+          <p:cNvPr id="6" name="Picture 5">
             <a:extLst>
               <a:ext uri="{FF2B5EF4-FFF2-40B4-BE49-F238E27FC236}">
-                <a16:creationId xmlns:a16="http://schemas.microsoft.com/office/drawing/2014/main" id="{ABFE6021-6FE4-4DFB-979F-74E1B00EAE72}"/>
+                <a16:creationId xmlns:a16="http://schemas.microsoft.com/office/drawing/2014/main" id="{E977CB4F-C58E-4181-AFAE-7AA48212B39E}"/>
+              </a:ext>
+            </a:extLst>
+          </p:cNvPr>
+          <p:cNvPicPr>
+            <a:picLocks noChangeAspect="1"/>
+          </p:cNvPicPr>
+          <p:nvPr/>
+        </p:nvPicPr>
+        <p:blipFill>
+          <a:blip r:embed="rId3">
+            <a:extLst>
+              <a:ext uri="{28A0092B-C50C-407E-A947-70E740481C1C}">
+                <a14:useLocalDpi xmlns:a14="http://schemas.microsoft.com/office/drawing/2010/main" val="0"/>
+              </a:ext>
+            </a:extLst>
+          </a:blip>
+          <a:stretch>
+            <a:fillRect/>
+          </a:stretch>
+        </p:blipFill>
+        <p:spPr>
+          <a:xfrm>
+            <a:off x="4123863" y="2798593"/>
+            <a:ext cx="4460844" cy="3421828"/>
+          </a:xfrm>
+          <a:prstGeom prst="rect">
+            <a:avLst/>
+          </a:prstGeom>
+        </p:spPr>
+      </p:pic>
+      <p:sp>
+        <p:nvSpPr>
+          <p:cNvPr id="7" name="TextBox 6">
+            <a:extLst>
+              <a:ext uri="{FF2B5EF4-FFF2-40B4-BE49-F238E27FC236}">
+                <a16:creationId xmlns:a16="http://schemas.microsoft.com/office/drawing/2014/main" id="{E27BECAF-1B89-4667-B8D2-AC93D7D857DA}"/>
               </a:ext>
             </a:extLst>
           </p:cNvPr>
@@ -6524,8 +6839,8 @@
         </p:nvSpPr>
         <p:spPr>
           <a:xfrm>
-            <a:off x="4918229" y="0"/>
-            <a:ext cx="3879542" cy="369332"/>
+            <a:off x="514904" y="3524175"/>
+            <a:ext cx="3027285" cy="307777"/>
           </a:xfrm>
           <a:prstGeom prst="rect">
             <a:avLst/>
@@ -6540,8 +6855,44 @@
           <a:p>
             <a:pPr algn="ctr"/>
             <a:r>
-              <a:rPr lang="en-US" b="1" dirty="0"/>
-              <a:t>SUMMARY: FINDINGS AND PROCESS</a:t>
+              <a:rPr lang="en-US" sz="1400" dirty="0"/>
+              <a:t>CSV data from Zillow</a:t>
+            </a:r>
+          </a:p>
+        </p:txBody>
+      </p:sp>
+      <p:sp>
+        <p:nvSpPr>
+          <p:cNvPr id="8" name="TextBox 7">
+            <a:extLst>
+              <a:ext uri="{FF2B5EF4-FFF2-40B4-BE49-F238E27FC236}">
+                <a16:creationId xmlns:a16="http://schemas.microsoft.com/office/drawing/2014/main" id="{56B5C6C2-B6ED-464E-A979-CA8501A88EAE}"/>
+              </a:ext>
+            </a:extLst>
+          </p:cNvPr>
+          <p:cNvSpPr txBox="1"/>
+          <p:nvPr/>
+        </p:nvSpPr>
+        <p:spPr>
+          <a:xfrm>
+            <a:off x="1302890" y="5594152"/>
+            <a:ext cx="3027285" cy="307777"/>
+          </a:xfrm>
+          <a:prstGeom prst="rect">
+            <a:avLst/>
+          </a:prstGeom>
+          <a:noFill/>
+        </p:spPr>
+        <p:txBody>
+          <a:bodyPr wrap="square" rtlCol="0">
+            <a:spAutoFit/>
+          </a:bodyPr>
+          <a:lstStyle/>
+          <a:p>
+            <a:pPr algn="ctr"/>
+            <a:r>
+              <a:rPr lang="en-US" sz="1400" dirty="0"/>
+              <a:t>Cleaned data frame of Zillow data </a:t>
             </a:r>
           </a:p>
         </p:txBody>
@@ -6549,7 +6900,675 @@
     </p:spTree>
     <p:extLst>
       <p:ext uri="{BB962C8B-B14F-4D97-AF65-F5344CB8AC3E}">
-        <p14:creationId xmlns:p14="http://schemas.microsoft.com/office/powerpoint/2010/main" val="3316736245"/>
+        <p14:creationId xmlns:p14="http://schemas.microsoft.com/office/powerpoint/2010/main" val="2365666982"/>
+      </p:ext>
+    </p:extLst>
+  </p:cSld>
+  <p:clrMapOvr>
+    <a:masterClrMapping/>
+  </p:clrMapOvr>
+</p:sld>
+</file>
+
+<file path=ppt/slides/slide7.xml><?xml version="1.0" encoding="utf-8"?>
+<p:sld xmlns:a="http://schemas.openxmlformats.org/drawingml/2006/main" xmlns:r="http://schemas.openxmlformats.org/officeDocument/2006/relationships" xmlns:p="http://schemas.openxmlformats.org/presentationml/2006/main">
+  <p:cSld>
+    <p:spTree>
+      <p:nvGrpSpPr>
+        <p:cNvPr id="1" name=""/>
+        <p:cNvGrpSpPr/>
+        <p:nvPr/>
+      </p:nvGrpSpPr>
+      <p:grpSpPr>
+        <a:xfrm>
+          <a:off x="0" y="0"/>
+          <a:ext cx="0" cy="0"/>
+          <a:chOff x="0" y="0"/>
+          <a:chExt cx="0" cy="0"/>
+        </a:xfrm>
+      </p:grpSpPr>
+      <p:sp>
+        <p:nvSpPr>
+          <p:cNvPr id="3" name="Rectangle 2">
+            <a:extLst>
+              <a:ext uri="{FF2B5EF4-FFF2-40B4-BE49-F238E27FC236}">
+                <a16:creationId xmlns:a16="http://schemas.microsoft.com/office/drawing/2014/main" id="{951565EE-56E1-4D07-A298-842A9721081A}"/>
+              </a:ext>
+            </a:extLst>
+          </p:cNvPr>
+          <p:cNvSpPr/>
+          <p:nvPr/>
+        </p:nvSpPr>
+        <p:spPr>
+          <a:xfrm>
+            <a:off x="0" y="0"/>
+            <a:ext cx="9144000" cy="6858000"/>
+          </a:xfrm>
+          <a:prstGeom prst="rect">
+            <a:avLst/>
+          </a:prstGeom>
+          <a:solidFill>
+            <a:schemeClr val="bg1">
+              <a:lumMod val="95000"/>
+            </a:schemeClr>
+          </a:solidFill>
+        </p:spPr>
+        <p:style>
+          <a:lnRef idx="2">
+            <a:schemeClr val="accent1">
+              <a:shade val="50000"/>
+            </a:schemeClr>
+          </a:lnRef>
+          <a:fillRef idx="1">
+            <a:schemeClr val="accent1"/>
+          </a:fillRef>
+          <a:effectRef idx="0">
+            <a:schemeClr val="accent1"/>
+          </a:effectRef>
+          <a:fontRef idx="minor">
+            <a:schemeClr val="lt1"/>
+          </a:fontRef>
+        </p:style>
+        <p:txBody>
+          <a:bodyPr rtlCol="0" anchor="ctr"/>
+          <a:lstStyle/>
+          <a:p>
+            <a:pPr algn="ctr"/>
+            <a:endParaRPr lang="en-US"/>
+          </a:p>
+        </p:txBody>
+      </p:sp>
+      <p:pic>
+        <p:nvPicPr>
+          <p:cNvPr id="2" name="Picture 1">
+            <a:extLst>
+              <a:ext uri="{FF2B5EF4-FFF2-40B4-BE49-F238E27FC236}">
+                <a16:creationId xmlns:a16="http://schemas.microsoft.com/office/drawing/2014/main" id="{E97A1896-B084-4205-A007-9A48DD3F1EBD}"/>
+              </a:ext>
+            </a:extLst>
+          </p:cNvPr>
+          <p:cNvPicPr>
+            <a:picLocks noChangeAspect="1"/>
+          </p:cNvPicPr>
+          <p:nvPr/>
+        </p:nvPicPr>
+        <p:blipFill>
+          <a:blip r:embed="rId2"/>
+          <a:stretch>
+            <a:fillRect/>
+          </a:stretch>
+        </p:blipFill>
+        <p:spPr>
+          <a:xfrm>
+            <a:off x="-1" y="0"/>
+            <a:ext cx="5186531" cy="5548544"/>
+          </a:xfrm>
+          <a:prstGeom prst="rect">
+            <a:avLst/>
+          </a:prstGeom>
+        </p:spPr>
+      </p:pic>
+      <p:pic>
+        <p:nvPicPr>
+          <p:cNvPr id="4" name="Picture 3">
+            <a:extLst>
+              <a:ext uri="{FF2B5EF4-FFF2-40B4-BE49-F238E27FC236}">
+                <a16:creationId xmlns:a16="http://schemas.microsoft.com/office/drawing/2014/main" id="{7FB5AC0F-D372-4ADD-BCE4-EBBE518B841B}"/>
+              </a:ext>
+            </a:extLst>
+          </p:cNvPr>
+          <p:cNvPicPr>
+            <a:picLocks noChangeAspect="1"/>
+          </p:cNvPicPr>
+          <p:nvPr/>
+        </p:nvPicPr>
+        <p:blipFill>
+          <a:blip r:embed="rId3"/>
+          <a:stretch>
+            <a:fillRect/>
+          </a:stretch>
+        </p:blipFill>
+        <p:spPr>
+          <a:xfrm>
+            <a:off x="4146296" y="2601157"/>
+            <a:ext cx="4997703" cy="4193149"/>
+          </a:xfrm>
+          <a:prstGeom prst="rect">
+            <a:avLst/>
+          </a:prstGeom>
+        </p:spPr>
+      </p:pic>
+      <p:sp>
+        <p:nvSpPr>
+          <p:cNvPr id="5" name="TextBox 4">
+            <a:extLst>
+              <a:ext uri="{FF2B5EF4-FFF2-40B4-BE49-F238E27FC236}">
+                <a16:creationId xmlns:a16="http://schemas.microsoft.com/office/drawing/2014/main" id="{658F379A-11ED-4271-AB85-593202473BDD}"/>
+              </a:ext>
+            </a:extLst>
+          </p:cNvPr>
+          <p:cNvSpPr txBox="1"/>
+          <p:nvPr/>
+        </p:nvSpPr>
+        <p:spPr>
+          <a:xfrm>
+            <a:off x="479394" y="5548544"/>
+            <a:ext cx="2974020" cy="646331"/>
+          </a:xfrm>
+          <a:prstGeom prst="rect">
+            <a:avLst/>
+          </a:prstGeom>
+          <a:noFill/>
+        </p:spPr>
+        <p:txBody>
+          <a:bodyPr wrap="square" rtlCol="0">
+            <a:spAutoFit/>
+          </a:bodyPr>
+          <a:lstStyle/>
+          <a:p>
+            <a:pPr algn="ctr"/>
+            <a:r>
+              <a:rPr lang="en-US" sz="1200" dirty="0"/>
+              <a:t>Python code creating empty lists and cycling through Yelp API to grab restaurant information</a:t>
+            </a:r>
+          </a:p>
+        </p:txBody>
+      </p:sp>
+      <p:sp>
+        <p:nvSpPr>
+          <p:cNvPr id="6" name="TextBox 5">
+            <a:extLst>
+              <a:ext uri="{FF2B5EF4-FFF2-40B4-BE49-F238E27FC236}">
+                <a16:creationId xmlns:a16="http://schemas.microsoft.com/office/drawing/2014/main" id="{96F6AA98-3845-4E8B-A05B-E3015D373B62}"/>
+              </a:ext>
+            </a:extLst>
+          </p:cNvPr>
+          <p:cNvSpPr txBox="1"/>
+          <p:nvPr/>
+        </p:nvSpPr>
+        <p:spPr>
+          <a:xfrm>
+            <a:off x="5274816" y="2324158"/>
+            <a:ext cx="2974020" cy="276999"/>
+          </a:xfrm>
+          <a:prstGeom prst="rect">
+            <a:avLst/>
+          </a:prstGeom>
+          <a:noFill/>
+        </p:spPr>
+        <p:txBody>
+          <a:bodyPr wrap="square" rtlCol="0">
+            <a:spAutoFit/>
+          </a:bodyPr>
+          <a:lstStyle/>
+          <a:p>
+            <a:pPr algn="ctr"/>
+            <a:r>
+              <a:rPr lang="en-US" sz="1200" dirty="0"/>
+              <a:t>List results retrieved </a:t>
+            </a:r>
+            <a:r>
+              <a:rPr lang="en-US" sz="1200"/>
+              <a:t>from Yelp API </a:t>
+            </a:r>
+            <a:r>
+              <a:rPr lang="en-US" sz="1200" dirty="0"/>
+              <a:t>call</a:t>
+            </a:r>
+          </a:p>
+        </p:txBody>
+      </p:sp>
+    </p:spTree>
+    <p:extLst>
+      <p:ext uri="{BB962C8B-B14F-4D97-AF65-F5344CB8AC3E}">
+        <p14:creationId xmlns:p14="http://schemas.microsoft.com/office/powerpoint/2010/main" val="207020869"/>
+      </p:ext>
+    </p:extLst>
+  </p:cSld>
+  <p:clrMapOvr>
+    <a:masterClrMapping/>
+  </p:clrMapOvr>
+</p:sld>
+</file>
+
+<file path=ppt/slides/slide8.xml><?xml version="1.0" encoding="utf-8"?>
+<p:sld xmlns:a="http://schemas.openxmlformats.org/drawingml/2006/main" xmlns:r="http://schemas.openxmlformats.org/officeDocument/2006/relationships" xmlns:p="http://schemas.openxmlformats.org/presentationml/2006/main">
+  <p:cSld>
+    <p:spTree>
+      <p:nvGrpSpPr>
+        <p:cNvPr id="1" name=""/>
+        <p:cNvGrpSpPr/>
+        <p:nvPr/>
+      </p:nvGrpSpPr>
+      <p:grpSpPr>
+        <a:xfrm>
+          <a:off x="0" y="0"/>
+          <a:ext cx="0" cy="0"/>
+          <a:chOff x="0" y="0"/>
+          <a:chExt cx="0" cy="0"/>
+        </a:xfrm>
+      </p:grpSpPr>
+      <p:pic>
+        <p:nvPicPr>
+          <p:cNvPr id="3" name="Picture 2">
+            <a:extLst>
+              <a:ext uri="{FF2B5EF4-FFF2-40B4-BE49-F238E27FC236}">
+                <a16:creationId xmlns:a16="http://schemas.microsoft.com/office/drawing/2014/main" id="{B2C2FE0B-3416-4F6D-9DCB-A5F6C7088E94}"/>
+              </a:ext>
+            </a:extLst>
+          </p:cNvPr>
+          <p:cNvPicPr>
+            <a:picLocks noChangeAspect="1"/>
+          </p:cNvPicPr>
+          <p:nvPr/>
+        </p:nvPicPr>
+        <p:blipFill>
+          <a:blip r:embed="rId2">
+            <a:extLst>
+              <a:ext uri="{28A0092B-C50C-407E-A947-70E740481C1C}">
+                <a14:useLocalDpi xmlns:a14="http://schemas.microsoft.com/office/drawing/2010/main" val="0"/>
+              </a:ext>
+            </a:extLst>
+          </a:blip>
+          <a:stretch>
+            <a:fillRect/>
+          </a:stretch>
+        </p:blipFill>
+        <p:spPr>
+          <a:xfrm>
+            <a:off x="466771" y="365279"/>
+            <a:ext cx="3114675" cy="4991100"/>
+          </a:xfrm>
+          <a:prstGeom prst="rect">
+            <a:avLst/>
+          </a:prstGeom>
+        </p:spPr>
+      </p:pic>
+      <p:pic>
+        <p:nvPicPr>
+          <p:cNvPr id="5" name="Picture 4">
+            <a:extLst>
+              <a:ext uri="{FF2B5EF4-FFF2-40B4-BE49-F238E27FC236}">
+                <a16:creationId xmlns:a16="http://schemas.microsoft.com/office/drawing/2014/main" id="{EE7392ED-D77B-4203-B891-39B273F43BB8}"/>
+              </a:ext>
+            </a:extLst>
+          </p:cNvPr>
+          <p:cNvPicPr>
+            <a:picLocks noChangeAspect="1"/>
+          </p:cNvPicPr>
+          <p:nvPr/>
+        </p:nvPicPr>
+        <p:blipFill>
+          <a:blip r:embed="rId3">
+            <a:extLst>
+              <a:ext uri="{28A0092B-C50C-407E-A947-70E740481C1C}">
+                <a14:useLocalDpi xmlns:a14="http://schemas.microsoft.com/office/drawing/2010/main" val="0"/>
+              </a:ext>
+            </a:extLst>
+          </a:blip>
+          <a:stretch>
+            <a:fillRect/>
+          </a:stretch>
+        </p:blipFill>
+        <p:spPr>
+          <a:xfrm>
+            <a:off x="3648722" y="2434053"/>
+            <a:ext cx="5202315" cy="3888757"/>
+          </a:xfrm>
+          <a:prstGeom prst="rect">
+            <a:avLst/>
+          </a:prstGeom>
+        </p:spPr>
+      </p:pic>
+      <p:sp>
+        <p:nvSpPr>
+          <p:cNvPr id="6" name="TextBox 5">
+            <a:extLst>
+              <a:ext uri="{FF2B5EF4-FFF2-40B4-BE49-F238E27FC236}">
+                <a16:creationId xmlns:a16="http://schemas.microsoft.com/office/drawing/2014/main" id="{F0A953A4-7C0F-4E9A-A197-9EF9E70B6E69}"/>
+              </a:ext>
+            </a:extLst>
+          </p:cNvPr>
+          <p:cNvSpPr txBox="1"/>
+          <p:nvPr/>
+        </p:nvSpPr>
+        <p:spPr>
+          <a:xfrm>
+            <a:off x="652508" y="5356379"/>
+            <a:ext cx="2743200" cy="307777"/>
+          </a:xfrm>
+          <a:prstGeom prst="rect">
+            <a:avLst/>
+          </a:prstGeom>
+          <a:noFill/>
+        </p:spPr>
+        <p:txBody>
+          <a:bodyPr wrap="square" rtlCol="0">
+            <a:spAutoFit/>
+          </a:bodyPr>
+          <a:lstStyle/>
+          <a:p>
+            <a:r>
+              <a:rPr lang="en-US" sz="1400" dirty="0"/>
+              <a:t>Creation of tables in PostgreSQL</a:t>
+            </a:r>
+          </a:p>
+        </p:txBody>
+      </p:sp>
+      <p:sp>
+        <p:nvSpPr>
+          <p:cNvPr id="7" name="TextBox 6">
+            <a:extLst>
+              <a:ext uri="{FF2B5EF4-FFF2-40B4-BE49-F238E27FC236}">
+                <a16:creationId xmlns:a16="http://schemas.microsoft.com/office/drawing/2014/main" id="{8061E3EA-2930-4DAA-BD3D-1282FD27E4AF}"/>
+              </a:ext>
+            </a:extLst>
+          </p:cNvPr>
+          <p:cNvSpPr txBox="1"/>
+          <p:nvPr/>
+        </p:nvSpPr>
+        <p:spPr>
+          <a:xfrm>
+            <a:off x="4968535" y="2126276"/>
+            <a:ext cx="2743200" cy="307777"/>
+          </a:xfrm>
+          <a:prstGeom prst="rect">
+            <a:avLst/>
+          </a:prstGeom>
+          <a:noFill/>
+        </p:spPr>
+        <p:txBody>
+          <a:bodyPr wrap="square" rtlCol="0">
+            <a:spAutoFit/>
+          </a:bodyPr>
+          <a:lstStyle/>
+          <a:p>
+            <a:r>
+              <a:rPr lang="en-US" sz="1400" dirty="0"/>
+              <a:t>Table schema in PostgreSQL</a:t>
+            </a:r>
+          </a:p>
+        </p:txBody>
+      </p:sp>
+    </p:spTree>
+    <p:extLst>
+      <p:ext uri="{BB962C8B-B14F-4D97-AF65-F5344CB8AC3E}">
+        <p14:creationId xmlns:p14="http://schemas.microsoft.com/office/powerpoint/2010/main" val="322449419"/>
+      </p:ext>
+    </p:extLst>
+  </p:cSld>
+  <p:clrMapOvr>
+    <a:masterClrMapping/>
+  </p:clrMapOvr>
+</p:sld>
+</file>
+
+<file path=ppt/slides/slide9.xml><?xml version="1.0" encoding="utf-8"?>
+<p:sld xmlns:a="http://schemas.openxmlformats.org/drawingml/2006/main" xmlns:r="http://schemas.openxmlformats.org/officeDocument/2006/relationships" xmlns:p="http://schemas.openxmlformats.org/presentationml/2006/main">
+  <p:cSld>
+    <p:spTree>
+      <p:nvGrpSpPr>
+        <p:cNvPr id="1" name=""/>
+        <p:cNvGrpSpPr/>
+        <p:nvPr/>
+      </p:nvGrpSpPr>
+      <p:grpSpPr>
+        <a:xfrm>
+          <a:off x="0" y="0"/>
+          <a:ext cx="0" cy="0"/>
+          <a:chOff x="0" y="0"/>
+          <a:chExt cx="0" cy="0"/>
+        </a:xfrm>
+      </p:grpSpPr>
+      <p:sp>
+        <p:nvSpPr>
+          <p:cNvPr id="3" name="Rectangle 2">
+            <a:extLst>
+              <a:ext uri="{FF2B5EF4-FFF2-40B4-BE49-F238E27FC236}">
+                <a16:creationId xmlns:a16="http://schemas.microsoft.com/office/drawing/2014/main" id="{951565EE-56E1-4D07-A298-842A9721081A}"/>
+              </a:ext>
+            </a:extLst>
+          </p:cNvPr>
+          <p:cNvSpPr/>
+          <p:nvPr/>
+        </p:nvSpPr>
+        <p:spPr>
+          <a:xfrm>
+            <a:off x="0" y="0"/>
+            <a:ext cx="9144000" cy="6858000"/>
+          </a:xfrm>
+          <a:prstGeom prst="rect">
+            <a:avLst/>
+          </a:prstGeom>
+          <a:solidFill>
+            <a:schemeClr val="bg1">
+              <a:lumMod val="95000"/>
+            </a:schemeClr>
+          </a:solidFill>
+        </p:spPr>
+        <p:style>
+          <a:lnRef idx="2">
+            <a:schemeClr val="accent1">
+              <a:shade val="50000"/>
+            </a:schemeClr>
+          </a:lnRef>
+          <a:fillRef idx="1">
+            <a:schemeClr val="accent1"/>
+          </a:fillRef>
+          <a:effectRef idx="0">
+            <a:schemeClr val="accent1"/>
+          </a:effectRef>
+          <a:fontRef idx="minor">
+            <a:schemeClr val="lt1"/>
+          </a:fontRef>
+        </p:style>
+        <p:txBody>
+          <a:bodyPr rtlCol="0" anchor="ctr"/>
+          <a:lstStyle/>
+          <a:p>
+            <a:pPr algn="ctr"/>
+            <a:endParaRPr lang="en-US"/>
+          </a:p>
+        </p:txBody>
+      </p:sp>
+      <p:sp>
+        <p:nvSpPr>
+          <p:cNvPr id="5" name="TextBox 4">
+            <a:extLst>
+              <a:ext uri="{FF2B5EF4-FFF2-40B4-BE49-F238E27FC236}">
+                <a16:creationId xmlns:a16="http://schemas.microsoft.com/office/drawing/2014/main" id="{658F379A-11ED-4271-AB85-593202473BDD}"/>
+              </a:ext>
+            </a:extLst>
+          </p:cNvPr>
+          <p:cNvSpPr txBox="1"/>
+          <p:nvPr/>
+        </p:nvSpPr>
+        <p:spPr>
+          <a:xfrm>
+            <a:off x="5965793" y="395758"/>
+            <a:ext cx="2974020" cy="646331"/>
+          </a:xfrm>
+          <a:prstGeom prst="rect">
+            <a:avLst/>
+          </a:prstGeom>
+          <a:noFill/>
+        </p:spPr>
+        <p:txBody>
+          <a:bodyPr wrap="square" rtlCol="0">
+            <a:spAutoFit/>
+          </a:bodyPr>
+          <a:lstStyle/>
+          <a:p>
+            <a:pPr algn="ctr"/>
+            <a:r>
+              <a:rPr lang="en-US" sz="1200" dirty="0"/>
+              <a:t>Feeding data to tables in PostgreSQL to </a:t>
+            </a:r>
+          </a:p>
+          <a:p>
+            <a:pPr algn="ctr"/>
+            <a:r>
+              <a:rPr lang="en-US" sz="1200" dirty="0"/>
+              <a:t>store restaurant data, average income,</a:t>
+            </a:r>
+          </a:p>
+          <a:p>
+            <a:pPr algn="ctr"/>
+            <a:r>
+              <a:rPr lang="en-US" sz="1200" dirty="0"/>
+              <a:t>home/rent value and disparity </a:t>
+            </a:r>
+          </a:p>
+        </p:txBody>
+      </p:sp>
+      <p:sp>
+        <p:nvSpPr>
+          <p:cNvPr id="6" name="TextBox 5">
+            <a:extLst>
+              <a:ext uri="{FF2B5EF4-FFF2-40B4-BE49-F238E27FC236}">
+                <a16:creationId xmlns:a16="http://schemas.microsoft.com/office/drawing/2014/main" id="{96F6AA98-3845-4E8B-A05B-E3015D373B62}"/>
+              </a:ext>
+            </a:extLst>
+          </p:cNvPr>
+          <p:cNvSpPr txBox="1"/>
+          <p:nvPr/>
+        </p:nvSpPr>
+        <p:spPr>
+          <a:xfrm>
+            <a:off x="1818446" y="5433005"/>
+            <a:ext cx="1979720" cy="461665"/>
+          </a:xfrm>
+          <a:prstGeom prst="rect">
+            <a:avLst/>
+          </a:prstGeom>
+          <a:noFill/>
+        </p:spPr>
+        <p:txBody>
+          <a:bodyPr wrap="square" rtlCol="0">
+            <a:spAutoFit/>
+          </a:bodyPr>
+          <a:lstStyle/>
+          <a:p>
+            <a:pPr algn="ctr"/>
+            <a:r>
+              <a:rPr lang="en-US" sz="1200" dirty="0"/>
+              <a:t>Confirming and reading data from the SQL</a:t>
+            </a:r>
+          </a:p>
+        </p:txBody>
+      </p:sp>
+      <p:pic>
+        <p:nvPicPr>
+          <p:cNvPr id="10" name="Picture 9">
+            <a:extLst>
+              <a:ext uri="{FF2B5EF4-FFF2-40B4-BE49-F238E27FC236}">
+                <a16:creationId xmlns:a16="http://schemas.microsoft.com/office/drawing/2014/main" id="{F210E1C7-38F5-4477-857D-1A1695863BE8}"/>
+              </a:ext>
+            </a:extLst>
+          </p:cNvPr>
+          <p:cNvPicPr>
+            <a:picLocks noChangeAspect="1"/>
+          </p:cNvPicPr>
+          <p:nvPr/>
+        </p:nvPicPr>
+        <p:blipFill>
+          <a:blip r:embed="rId2">
+            <a:extLst>
+              <a:ext uri="{28A0092B-C50C-407E-A947-70E740481C1C}">
+                <a14:useLocalDpi xmlns:a14="http://schemas.microsoft.com/office/drawing/2010/main" val="0"/>
+              </a:ext>
+            </a:extLst>
+          </a:blip>
+          <a:stretch>
+            <a:fillRect/>
+          </a:stretch>
+        </p:blipFill>
+        <p:spPr>
+          <a:xfrm>
+            <a:off x="0" y="5009"/>
+            <a:ext cx="5965793" cy="2570203"/>
+          </a:xfrm>
+          <a:prstGeom prst="rect">
+            <a:avLst/>
+          </a:prstGeom>
+        </p:spPr>
+      </p:pic>
+      <p:pic>
+        <p:nvPicPr>
+          <p:cNvPr id="12" name="Picture 11">
+            <a:extLst>
+              <a:ext uri="{FF2B5EF4-FFF2-40B4-BE49-F238E27FC236}">
+                <a16:creationId xmlns:a16="http://schemas.microsoft.com/office/drawing/2014/main" id="{C6667992-3D2E-4A26-BBE2-0A829BAFBC66}"/>
+              </a:ext>
+            </a:extLst>
+          </p:cNvPr>
+          <p:cNvPicPr>
+            <a:picLocks noChangeAspect="1"/>
+          </p:cNvPicPr>
+          <p:nvPr/>
+        </p:nvPicPr>
+        <p:blipFill>
+          <a:blip r:embed="rId3">
+            <a:extLst>
+              <a:ext uri="{28A0092B-C50C-407E-A947-70E740481C1C}">
+                <a14:useLocalDpi xmlns:a14="http://schemas.microsoft.com/office/drawing/2010/main" val="0"/>
+              </a:ext>
+            </a:extLst>
+          </a:blip>
+          <a:stretch>
+            <a:fillRect/>
+          </a:stretch>
+        </p:blipFill>
+        <p:spPr>
+          <a:xfrm>
+            <a:off x="1639412" y="2500856"/>
+            <a:ext cx="5396476" cy="2451638"/>
+          </a:xfrm>
+          <a:prstGeom prst="rect">
+            <a:avLst/>
+          </a:prstGeom>
+        </p:spPr>
+      </p:pic>
+      <p:pic>
+        <p:nvPicPr>
+          <p:cNvPr id="14" name="Picture 13">
+            <a:extLst>
+              <a:ext uri="{FF2B5EF4-FFF2-40B4-BE49-F238E27FC236}">
+                <a16:creationId xmlns:a16="http://schemas.microsoft.com/office/drawing/2014/main" id="{696BE152-85F8-4465-AF69-0A740DB23F67}"/>
+              </a:ext>
+            </a:extLst>
+          </p:cNvPr>
+          <p:cNvPicPr>
+            <a:picLocks noChangeAspect="1"/>
+          </p:cNvPicPr>
+          <p:nvPr/>
+        </p:nvPicPr>
+        <p:blipFill>
+          <a:blip r:embed="rId4">
+            <a:extLst>
+              <a:ext uri="{28A0092B-C50C-407E-A947-70E740481C1C}">
+                <a14:useLocalDpi xmlns:a14="http://schemas.microsoft.com/office/drawing/2010/main" val="0"/>
+              </a:ext>
+            </a:extLst>
+          </a:blip>
+          <a:stretch>
+            <a:fillRect/>
+          </a:stretch>
+        </p:blipFill>
+        <p:spPr>
+          <a:xfrm>
+            <a:off x="3986075" y="4488644"/>
+            <a:ext cx="5157926" cy="2350388"/>
+          </a:xfrm>
+          <a:prstGeom prst="rect">
+            <a:avLst/>
+          </a:prstGeom>
+        </p:spPr>
+      </p:pic>
+    </p:spTree>
+    <p:extLst>
+      <p:ext uri="{BB962C8B-B14F-4D97-AF65-F5344CB8AC3E}">
+        <p14:creationId xmlns:p14="http://schemas.microsoft.com/office/powerpoint/2010/main" val="2757493470"/>
       </p:ext>
     </p:extLst>
   </p:cSld>
@@ -7075,8 +8094,16 @@
 <file path=customXml/itemProps1.xml><?xml version="1.0" encoding="utf-8"?>
 <ds:datastoreItem xmlns:ds="http://schemas.openxmlformats.org/officeDocument/2006/customXml" ds:itemID="{009F48BC-210D-4C7E-BF34-865E161B83EC}">
   <ds:schemaRefs>
+    <ds:schemaRef ds:uri="http://schemas.microsoft.com/office/2006/documentManagement/types"/>
+    <ds:schemaRef ds:uri="http://purl.org/dc/elements/1.1/"/>
+    <ds:schemaRef ds:uri="http://schemas.openxmlformats.org/package/2006/metadata/core-properties"/>
+    <ds:schemaRef ds:uri="http://schemas.microsoft.com/office/infopath/2007/PartnerControls"/>
+    <ds:schemaRef ds:uri="c8d41a52-0429-44d3-941d-5f8a8f3627d7"/>
+    <ds:schemaRef ds:uri="79febee5-f550-440a-a0d4-3bec8d62d666"/>
+    <ds:schemaRef ds:uri="http://www.w3.org/XML/1998/namespace"/>
+    <ds:schemaRef ds:uri="http://purl.org/dc/terms/"/>
     <ds:schemaRef ds:uri="http://schemas.microsoft.com/office/2006/metadata/properties"/>
-    <ds:schemaRef ds:uri="http://schemas.microsoft.com/office/infopath/2007/PartnerControls"/>
+    <ds:schemaRef ds:uri="http://purl.org/dc/dcmitype/"/>
   </ds:schemaRefs>
 </ds:datastoreItem>
 </file>
